--- a/06-loop/00-loop.pptx
+++ b/06-loop/00-loop.pptx
@@ -24,8 +24,12 @@
     <p:sldId id="316" r:id="rId18"/>
     <p:sldId id="317" r:id="rId19"/>
     <p:sldId id="314" r:id="rId20"/>
-    <p:sldId id="315" r:id="rId21"/>
-    <p:sldId id="294" r:id="rId22"/>
+    <p:sldId id="318" r:id="rId21"/>
+    <p:sldId id="315" r:id="rId22"/>
+    <p:sldId id="319" r:id="rId23"/>
+    <p:sldId id="320" r:id="rId24"/>
+    <p:sldId id="321" r:id="rId25"/>
+    <p:sldId id="294" r:id="rId26"/>
   </p:sldIdLst>
   <p:sldSz cx="12192000" cy="6858000"/>
   <p:notesSz cx="6858000" cy="9144000"/>
@@ -30836,7 +30840,7 @@
           <a:p>
             <a:fld id="{3C22E3A1-C276-43FD-A0AD-E3E3A7519323}" type="datetimeFigureOut">
               <a:rPr lang="zh-TW" altLang="en-US" smtClean="0"/>
-              <a:t>2021/9/3</a:t>
+              <a:t>2021/10/23</a:t>
             </a:fld>
             <a:endParaRPr lang="zh-TW" altLang="en-US"/>
           </a:p>
@@ -31034,7 +31038,7 @@
           <a:p>
             <a:fld id="{3C22E3A1-C276-43FD-A0AD-E3E3A7519323}" type="datetimeFigureOut">
               <a:rPr lang="zh-TW" altLang="en-US" smtClean="0"/>
-              <a:t>2021/9/3</a:t>
+              <a:t>2021/10/23</a:t>
             </a:fld>
             <a:endParaRPr lang="zh-TW" altLang="en-US"/>
           </a:p>
@@ -31242,7 +31246,7 @@
           <a:p>
             <a:fld id="{3C22E3A1-C276-43FD-A0AD-E3E3A7519323}" type="datetimeFigureOut">
               <a:rPr lang="zh-TW" altLang="en-US" smtClean="0"/>
-              <a:t>2021/9/3</a:t>
+              <a:t>2021/10/23</a:t>
             </a:fld>
             <a:endParaRPr lang="zh-TW" altLang="en-US"/>
           </a:p>
@@ -31440,7 +31444,7 @@
           <a:p>
             <a:fld id="{3C22E3A1-C276-43FD-A0AD-E3E3A7519323}" type="datetimeFigureOut">
               <a:rPr lang="zh-TW" altLang="en-US" smtClean="0"/>
-              <a:t>2021/9/3</a:t>
+              <a:t>2021/10/23</a:t>
             </a:fld>
             <a:endParaRPr lang="zh-TW" altLang="en-US"/>
           </a:p>
@@ -31715,7 +31719,7 @@
           <a:p>
             <a:fld id="{3C22E3A1-C276-43FD-A0AD-E3E3A7519323}" type="datetimeFigureOut">
               <a:rPr lang="zh-TW" altLang="en-US" smtClean="0"/>
-              <a:t>2021/9/3</a:t>
+              <a:t>2021/10/23</a:t>
             </a:fld>
             <a:endParaRPr lang="zh-TW" altLang="en-US"/>
           </a:p>
@@ -31980,7 +31984,7 @@
           <a:p>
             <a:fld id="{3C22E3A1-C276-43FD-A0AD-E3E3A7519323}" type="datetimeFigureOut">
               <a:rPr lang="zh-TW" altLang="en-US" smtClean="0"/>
-              <a:t>2021/9/3</a:t>
+              <a:t>2021/10/23</a:t>
             </a:fld>
             <a:endParaRPr lang="zh-TW" altLang="en-US"/>
           </a:p>
@@ -32392,7 +32396,7 @@
           <a:p>
             <a:fld id="{3C22E3A1-C276-43FD-A0AD-E3E3A7519323}" type="datetimeFigureOut">
               <a:rPr lang="zh-TW" altLang="en-US" smtClean="0"/>
-              <a:t>2021/9/3</a:t>
+              <a:t>2021/10/23</a:t>
             </a:fld>
             <a:endParaRPr lang="zh-TW" altLang="en-US"/>
           </a:p>
@@ -32533,7 +32537,7 @@
           <a:p>
             <a:fld id="{3C22E3A1-C276-43FD-A0AD-E3E3A7519323}" type="datetimeFigureOut">
               <a:rPr lang="zh-TW" altLang="en-US" smtClean="0"/>
-              <a:t>2021/9/3</a:t>
+              <a:t>2021/10/23</a:t>
             </a:fld>
             <a:endParaRPr lang="zh-TW" altLang="en-US"/>
           </a:p>
@@ -32646,7 +32650,7 @@
           <a:p>
             <a:fld id="{3C22E3A1-C276-43FD-A0AD-E3E3A7519323}" type="datetimeFigureOut">
               <a:rPr lang="zh-TW" altLang="en-US" smtClean="0"/>
-              <a:t>2021/9/3</a:t>
+              <a:t>2021/10/23</a:t>
             </a:fld>
             <a:endParaRPr lang="zh-TW" altLang="en-US"/>
           </a:p>
@@ -32957,7 +32961,7 @@
           <a:p>
             <a:fld id="{3C22E3A1-C276-43FD-A0AD-E3E3A7519323}" type="datetimeFigureOut">
               <a:rPr lang="zh-TW" altLang="en-US" smtClean="0"/>
-              <a:t>2021/9/3</a:t>
+              <a:t>2021/10/23</a:t>
             </a:fld>
             <a:endParaRPr lang="zh-TW" altLang="en-US"/>
           </a:p>
@@ -33245,7 +33249,7 @@
           <a:p>
             <a:fld id="{3C22E3A1-C276-43FD-A0AD-E3E3A7519323}" type="datetimeFigureOut">
               <a:rPr lang="zh-TW" altLang="en-US" smtClean="0"/>
-              <a:t>2021/9/3</a:t>
+              <a:t>2021/10/23</a:t>
             </a:fld>
             <a:endParaRPr lang="zh-TW" altLang="en-US"/>
           </a:p>
@@ -33486,7 +33490,7 @@
           <a:p>
             <a:fld id="{3C22E3A1-C276-43FD-A0AD-E3E3A7519323}" type="datetimeFigureOut">
               <a:rPr lang="zh-TW" altLang="en-US" smtClean="0"/>
-              <a:t>2021/9/3</a:t>
+              <a:t>2021/10/23</a:t>
             </a:fld>
             <a:endParaRPr lang="zh-TW" altLang="en-US"/>
           </a:p>
@@ -37154,16 +37158,15 @@
           </p:cNvPicPr>
           <p:nvPr/>
         </p:nvPicPr>
-        <p:blipFill>
+        <p:blipFill rotWithShape="1">
           <a:blip r:embed="rId7"/>
-          <a:stretch>
-            <a:fillRect/>
-          </a:stretch>
+          <a:srcRect t="4216"/>
+          <a:stretch/>
         </p:blipFill>
         <p:spPr>
           <a:xfrm>
-            <a:off x="6660159" y="5082940"/>
-            <a:ext cx="4798076" cy="840216"/>
+            <a:off x="6660159" y="5151922"/>
+            <a:ext cx="4798076" cy="804789"/>
           </a:xfrm>
           <a:prstGeom prst="rect">
             <a:avLst/>
@@ -37190,7 +37193,7 @@
         <p:spPr>
           <a:xfrm>
             <a:off x="6419676" y="2289601"/>
-            <a:ext cx="4041396" cy="2031325"/>
+            <a:ext cx="4041396" cy="2862322"/>
           </a:xfrm>
           <a:prstGeom prst="rect">
             <a:avLst/>
@@ -37565,6 +37568,37 @@
               </a:rPr>
               <a:t>;</a:t>
             </a:r>
+          </a:p>
+          <a:p>
+            <a:r>
+              <a:rPr lang="en-US" altLang="zh-TW" b="0" dirty="0">
+                <a:solidFill>
+                  <a:srgbClr val="008000"/>
+                </a:solidFill>
+                <a:effectLst/>
+                <a:latin typeface="Consolas" panose="020B0609020204030204" pitchFamily="49" charset="0"/>
+              </a:rPr>
+              <a:t>// do not forget the semicolon at end of while statement</a:t>
+            </a:r>
+            <a:endParaRPr lang="en-US" altLang="zh-TW" b="0" dirty="0">
+              <a:solidFill>
+                <a:srgbClr val="000000"/>
+              </a:solidFill>
+              <a:effectLst/>
+              <a:latin typeface="Consolas" panose="020B0609020204030204" pitchFamily="49" charset="0"/>
+            </a:endParaRPr>
+          </a:p>
+          <a:p>
+            <a:endParaRPr lang="en-US" altLang="zh-TW" dirty="0">
+              <a:solidFill>
+                <a:srgbClr val="FF0000"/>
+              </a:solidFill>
+              <a:effectLst/>
+              <a:highlight>
+                <a:srgbClr val="C0C0C0"/>
+              </a:highlight>
+              <a:latin typeface="Consolas" panose="020B0609020204030204" pitchFamily="49" charset="0"/>
+            </a:endParaRPr>
           </a:p>
         </p:txBody>
       </p:sp>
@@ -39181,17 +39215,17 @@
                 <a:effectLst/>
                 <a:latin typeface="Consolas" panose="020B0609020204030204" pitchFamily="49" charset="0"/>
               </a:rPr>
-              <a:t>    //std::</a:t>
-            </a:r>
-            <a:r>
-              <a:rPr lang="en-US" altLang="zh-TW" b="0" dirty="0" err="1">
+              <a:t>    //</a:t>
+            </a:r>
+            <a:r>
+              <a:rPr lang="zh-TW" altLang="en-US" b="0" dirty="0">
                 <a:solidFill>
                   <a:srgbClr val="008000"/>
                 </a:solidFill>
                 <a:effectLst/>
                 <a:latin typeface="Consolas" panose="020B0609020204030204" pitchFamily="49" charset="0"/>
               </a:rPr>
-              <a:t>cout</a:t>
+              <a:t> </a:t>
             </a:r>
             <a:r>
               <a:rPr lang="en-US" altLang="zh-TW" b="0" dirty="0">
@@ -39201,7 +39235,7 @@
                 <a:effectLst/>
                 <a:latin typeface="Consolas" panose="020B0609020204030204" pitchFamily="49" charset="0"/>
               </a:rPr>
-              <a:t> &lt;&lt; "hi~ ";</a:t>
+              <a:t>empty</a:t>
             </a:r>
             <a:endParaRPr lang="en-US" altLang="zh-TW" b="0" dirty="0">
               <a:solidFill>
@@ -40492,7 +40526,7 @@
         </p:nvSpPr>
         <p:spPr>
           <a:xfrm>
-            <a:off x="1008776" y="2226764"/>
+            <a:off x="914400" y="1749891"/>
             <a:ext cx="6094602" cy="1754326"/>
           </a:xfrm>
           <a:prstGeom prst="rect">
@@ -40853,7 +40887,7 @@
         </p:nvSpPr>
         <p:spPr>
           <a:xfrm>
-            <a:off x="922789" y="4336126"/>
+            <a:off x="914400" y="3983789"/>
             <a:ext cx="5366856" cy="2308324"/>
           </a:xfrm>
           <a:prstGeom prst="rect">
@@ -41179,7 +41213,7 @@
         </p:nvSpPr>
         <p:spPr>
           <a:xfrm>
-            <a:off x="6515450" y="2226764"/>
+            <a:off x="6366895" y="1690688"/>
             <a:ext cx="4838350" cy="646331"/>
           </a:xfrm>
           <a:prstGeom prst="rect">
@@ -41332,7 +41366,7 @@
         </p:nvSpPr>
         <p:spPr>
           <a:xfrm>
-            <a:off x="6515450" y="4185673"/>
+            <a:off x="6515450" y="3983789"/>
             <a:ext cx="4541240" cy="1477328"/>
           </a:xfrm>
           <a:prstGeom prst="rect">
@@ -44012,6 +44046,440 @@
           <p:cNvPr id="2" name="標題 1">
             <a:extLst>
               <a:ext uri="{FF2B5EF4-FFF2-40B4-BE49-F238E27FC236}">
+                <a16:creationId xmlns:a16="http://schemas.microsoft.com/office/drawing/2014/main" id="{169110F8-8119-4D6F-A005-7E65A6530BA9}"/>
+              </a:ext>
+            </a:extLst>
+          </p:cNvPr>
+          <p:cNvSpPr>
+            <a:spLocks noGrp="1"/>
+          </p:cNvSpPr>
+          <p:nvPr>
+            <p:ph type="title"/>
+          </p:nvPr>
+        </p:nvSpPr>
+        <p:spPr/>
+        <p:txBody>
+          <a:bodyPr/>
+          <a:lstStyle/>
+          <a:p>
+            <a:r>
+              <a:rPr lang="en-US" altLang="zh-TW" dirty="0"/>
+              <a:t>Infinite Loop</a:t>
+            </a:r>
+            <a:endParaRPr lang="zh-TW" altLang="en-US" dirty="0"/>
+          </a:p>
+        </p:txBody>
+      </p:sp>
+      <p:sp>
+        <p:nvSpPr>
+          <p:cNvPr id="3" name="內容版面配置區 2">
+            <a:extLst>
+              <a:ext uri="{FF2B5EF4-FFF2-40B4-BE49-F238E27FC236}">
+                <a16:creationId xmlns:a16="http://schemas.microsoft.com/office/drawing/2014/main" id="{3287D60D-D05E-4731-B9B0-DA8DE882A3DA}"/>
+              </a:ext>
+            </a:extLst>
+          </p:cNvPr>
+          <p:cNvSpPr>
+            <a:spLocks noGrp="1"/>
+          </p:cNvSpPr>
+          <p:nvPr>
+            <p:ph idx="1"/>
+          </p:nvPr>
+        </p:nvSpPr>
+        <p:spPr/>
+        <p:txBody>
+          <a:bodyPr/>
+          <a:lstStyle/>
+          <a:p>
+            <a:r>
+              <a:rPr lang="zh-TW" altLang="en-US" b="1" dirty="0">
+                <a:solidFill>
+                  <a:srgbClr val="FF0000"/>
+                </a:solidFill>
+              </a:rPr>
+              <a:t>You can terminate the loop by pressing CTRL+C</a:t>
+            </a:r>
+          </a:p>
+        </p:txBody>
+      </p:sp>
+      <p:sp>
+        <p:nvSpPr>
+          <p:cNvPr id="4" name="文字方塊 3">
+            <a:extLst>
+              <a:ext uri="{FF2B5EF4-FFF2-40B4-BE49-F238E27FC236}">
+                <a16:creationId xmlns:a16="http://schemas.microsoft.com/office/drawing/2014/main" id="{58CD6BFB-092A-4351-B308-975633B8A9DA}"/>
+              </a:ext>
+            </a:extLst>
+          </p:cNvPr>
+          <p:cNvSpPr txBox="1"/>
+          <p:nvPr/>
+        </p:nvSpPr>
+        <p:spPr>
+          <a:xfrm>
+            <a:off x="981512" y="2551837"/>
+            <a:ext cx="5366856" cy="1754326"/>
+          </a:xfrm>
+          <a:prstGeom prst="rect">
+            <a:avLst/>
+          </a:prstGeom>
+          <a:noFill/>
+        </p:spPr>
+        <p:txBody>
+          <a:bodyPr wrap="square">
+            <a:spAutoFit/>
+          </a:bodyPr>
+          <a:lstStyle/>
+          <a:p>
+            <a:r>
+              <a:rPr lang="en-US" altLang="zh-TW" b="0" dirty="0">
+                <a:solidFill>
+                  <a:srgbClr val="0000FF"/>
+                </a:solidFill>
+                <a:effectLst/>
+                <a:latin typeface="Consolas" panose="020B0609020204030204" pitchFamily="49" charset="0"/>
+              </a:rPr>
+              <a:t>int</a:t>
+            </a:r>
+            <a:r>
+              <a:rPr lang="en-US" altLang="zh-TW" b="0" dirty="0">
+                <a:solidFill>
+                  <a:srgbClr val="000000"/>
+                </a:solidFill>
+                <a:effectLst/>
+                <a:latin typeface="Consolas" panose="020B0609020204030204" pitchFamily="49" charset="0"/>
+              </a:rPr>
+              <a:t> </a:t>
+            </a:r>
+            <a:r>
+              <a:rPr lang="en-US" altLang="zh-TW" b="0" dirty="0">
+                <a:solidFill>
+                  <a:srgbClr val="001080"/>
+                </a:solidFill>
+                <a:effectLst/>
+                <a:latin typeface="Consolas" panose="020B0609020204030204" pitchFamily="49" charset="0"/>
+              </a:rPr>
+              <a:t>count</a:t>
+            </a:r>
+            <a:r>
+              <a:rPr lang="en-US" altLang="zh-TW" b="0" dirty="0">
+                <a:solidFill>
+                  <a:srgbClr val="000000"/>
+                </a:solidFill>
+                <a:effectLst/>
+                <a:latin typeface="Consolas" panose="020B0609020204030204" pitchFamily="49" charset="0"/>
+              </a:rPr>
+              <a:t> = </a:t>
+            </a:r>
+            <a:r>
+              <a:rPr lang="en-US" altLang="zh-TW" b="0" dirty="0">
+                <a:solidFill>
+                  <a:srgbClr val="098658"/>
+                </a:solidFill>
+                <a:effectLst/>
+                <a:latin typeface="Consolas" panose="020B0609020204030204" pitchFamily="49" charset="0"/>
+              </a:rPr>
+              <a:t>0</a:t>
+            </a:r>
+            <a:r>
+              <a:rPr lang="en-US" altLang="zh-TW" b="0" dirty="0">
+                <a:solidFill>
+                  <a:srgbClr val="000000"/>
+                </a:solidFill>
+                <a:effectLst/>
+                <a:latin typeface="Consolas" panose="020B0609020204030204" pitchFamily="49" charset="0"/>
+              </a:rPr>
+              <a:t>;</a:t>
+            </a:r>
+          </a:p>
+          <a:p>
+            <a:r>
+              <a:rPr lang="en-US" altLang="zh-TW" b="0" dirty="0">
+                <a:solidFill>
+                  <a:srgbClr val="AF00DB"/>
+                </a:solidFill>
+                <a:effectLst/>
+                <a:latin typeface="Consolas" panose="020B0609020204030204" pitchFamily="49" charset="0"/>
+              </a:rPr>
+              <a:t>while</a:t>
+            </a:r>
+            <a:r>
+              <a:rPr lang="en-US" altLang="zh-TW" b="0" dirty="0">
+                <a:solidFill>
+                  <a:srgbClr val="000000"/>
+                </a:solidFill>
+                <a:effectLst/>
+                <a:latin typeface="Consolas" panose="020B0609020204030204" pitchFamily="49" charset="0"/>
+              </a:rPr>
+              <a:t>(</a:t>
+            </a:r>
+            <a:r>
+              <a:rPr lang="en-US" altLang="zh-TW" b="0" dirty="0">
+                <a:solidFill>
+                  <a:srgbClr val="001080"/>
+                </a:solidFill>
+                <a:effectLst/>
+                <a:latin typeface="Consolas" panose="020B0609020204030204" pitchFamily="49" charset="0"/>
+              </a:rPr>
+              <a:t>count</a:t>
+            </a:r>
+            <a:r>
+              <a:rPr lang="en-US" altLang="zh-TW" b="0" dirty="0">
+                <a:solidFill>
+                  <a:srgbClr val="000000"/>
+                </a:solidFill>
+                <a:effectLst/>
+                <a:latin typeface="Consolas" panose="020B0609020204030204" pitchFamily="49" charset="0"/>
+              </a:rPr>
+              <a:t> &lt; </a:t>
+            </a:r>
+            <a:r>
+              <a:rPr lang="en-US" altLang="zh-TW" b="0" dirty="0">
+                <a:solidFill>
+                  <a:srgbClr val="098658"/>
+                </a:solidFill>
+                <a:effectLst/>
+                <a:latin typeface="Consolas" panose="020B0609020204030204" pitchFamily="49" charset="0"/>
+              </a:rPr>
+              <a:t>3</a:t>
+            </a:r>
+            <a:r>
+              <a:rPr lang="en-US" altLang="zh-TW" b="0" dirty="0">
+                <a:solidFill>
+                  <a:srgbClr val="000000"/>
+                </a:solidFill>
+                <a:effectLst/>
+                <a:latin typeface="Consolas" panose="020B0609020204030204" pitchFamily="49" charset="0"/>
+              </a:rPr>
+              <a:t>)</a:t>
+            </a:r>
+          </a:p>
+          <a:p>
+            <a:r>
+              <a:rPr lang="en-US" altLang="zh-TW" b="0" dirty="0">
+                <a:solidFill>
+                  <a:srgbClr val="000000"/>
+                </a:solidFill>
+                <a:effectLst/>
+                <a:latin typeface="Consolas" panose="020B0609020204030204" pitchFamily="49" charset="0"/>
+              </a:rPr>
+              <a:t>{</a:t>
+            </a:r>
+          </a:p>
+          <a:p>
+            <a:r>
+              <a:rPr lang="en-US" altLang="zh-TW" b="0" dirty="0">
+                <a:solidFill>
+                  <a:srgbClr val="000000"/>
+                </a:solidFill>
+                <a:effectLst/>
+                <a:latin typeface="Consolas" panose="020B0609020204030204" pitchFamily="49" charset="0"/>
+              </a:rPr>
+              <a:t>    </a:t>
+            </a:r>
+            <a:r>
+              <a:rPr lang="en-US" altLang="zh-TW" b="0" dirty="0">
+                <a:solidFill>
+                  <a:srgbClr val="267F99"/>
+                </a:solidFill>
+                <a:effectLst/>
+                <a:latin typeface="Consolas" panose="020B0609020204030204" pitchFamily="49" charset="0"/>
+              </a:rPr>
+              <a:t>std</a:t>
+            </a:r>
+            <a:r>
+              <a:rPr lang="en-US" altLang="zh-TW" b="0" dirty="0">
+                <a:solidFill>
+                  <a:srgbClr val="000000"/>
+                </a:solidFill>
+                <a:effectLst/>
+                <a:latin typeface="Consolas" panose="020B0609020204030204" pitchFamily="49" charset="0"/>
+              </a:rPr>
+              <a:t>::</a:t>
+            </a:r>
+            <a:r>
+              <a:rPr lang="en-US" altLang="zh-TW" b="0" dirty="0" err="1">
+                <a:solidFill>
+                  <a:srgbClr val="001080"/>
+                </a:solidFill>
+                <a:effectLst/>
+                <a:latin typeface="Consolas" panose="020B0609020204030204" pitchFamily="49" charset="0"/>
+              </a:rPr>
+              <a:t>cout</a:t>
+            </a:r>
+            <a:r>
+              <a:rPr lang="en-US" altLang="zh-TW" b="0" dirty="0">
+                <a:solidFill>
+                  <a:srgbClr val="000000"/>
+                </a:solidFill>
+                <a:effectLst/>
+                <a:latin typeface="Consolas" panose="020B0609020204030204" pitchFamily="49" charset="0"/>
+              </a:rPr>
+              <a:t> </a:t>
+            </a:r>
+            <a:r>
+              <a:rPr lang="en-US" altLang="zh-TW" b="0" dirty="0">
+                <a:solidFill>
+                  <a:srgbClr val="795E26"/>
+                </a:solidFill>
+                <a:effectLst/>
+                <a:latin typeface="Consolas" panose="020B0609020204030204" pitchFamily="49" charset="0"/>
+              </a:rPr>
+              <a:t>&lt;&lt;</a:t>
+            </a:r>
+            <a:r>
+              <a:rPr lang="en-US" altLang="zh-TW" b="0" dirty="0">
+                <a:solidFill>
+                  <a:srgbClr val="000000"/>
+                </a:solidFill>
+                <a:effectLst/>
+                <a:latin typeface="Consolas" panose="020B0609020204030204" pitchFamily="49" charset="0"/>
+              </a:rPr>
+              <a:t> </a:t>
+            </a:r>
+            <a:r>
+              <a:rPr lang="en-US" altLang="zh-TW" b="0" dirty="0">
+                <a:solidFill>
+                  <a:srgbClr val="A31515"/>
+                </a:solidFill>
+                <a:effectLst/>
+                <a:latin typeface="Consolas" panose="020B0609020204030204" pitchFamily="49" charset="0"/>
+              </a:rPr>
+              <a:t>"Penny?</a:t>
+            </a:r>
+            <a:r>
+              <a:rPr lang="en-US" altLang="zh-TW" b="0" dirty="0">
+                <a:solidFill>
+                  <a:srgbClr val="EE0000"/>
+                </a:solidFill>
+                <a:effectLst/>
+                <a:latin typeface="Consolas" panose="020B0609020204030204" pitchFamily="49" charset="0"/>
+              </a:rPr>
+              <a:t>\n</a:t>
+            </a:r>
+            <a:r>
+              <a:rPr lang="en-US" altLang="zh-TW" b="0" dirty="0">
+                <a:solidFill>
+                  <a:srgbClr val="A31515"/>
+                </a:solidFill>
+                <a:effectLst/>
+                <a:latin typeface="Consolas" panose="020B0609020204030204" pitchFamily="49" charset="0"/>
+              </a:rPr>
+              <a:t>"</a:t>
+            </a:r>
+            <a:r>
+              <a:rPr lang="en-US" altLang="zh-TW" b="0" dirty="0">
+                <a:solidFill>
+                  <a:srgbClr val="000000"/>
+                </a:solidFill>
+                <a:effectLst/>
+                <a:latin typeface="Consolas" panose="020B0609020204030204" pitchFamily="49" charset="0"/>
+              </a:rPr>
+              <a:t>;</a:t>
+            </a:r>
+          </a:p>
+          <a:p>
+            <a:r>
+              <a:rPr lang="en-US" altLang="zh-TW" b="0" dirty="0">
+                <a:solidFill>
+                  <a:srgbClr val="008000"/>
+                </a:solidFill>
+                <a:effectLst/>
+                <a:latin typeface="Consolas" panose="020B0609020204030204" pitchFamily="49" charset="0"/>
+              </a:rPr>
+              <a:t>    //count = count + 1;</a:t>
+            </a:r>
+            <a:endParaRPr lang="en-US" altLang="zh-TW" b="0" dirty="0">
+              <a:solidFill>
+                <a:srgbClr val="000000"/>
+              </a:solidFill>
+              <a:effectLst/>
+              <a:latin typeface="Consolas" panose="020B0609020204030204" pitchFamily="49" charset="0"/>
+            </a:endParaRPr>
+          </a:p>
+          <a:p>
+            <a:r>
+              <a:rPr lang="en-US" altLang="zh-TW" b="0" dirty="0">
+                <a:solidFill>
+                  <a:srgbClr val="000000"/>
+                </a:solidFill>
+                <a:effectLst/>
+                <a:latin typeface="Consolas" panose="020B0609020204030204" pitchFamily="49" charset="0"/>
+              </a:rPr>
+              <a:t>}</a:t>
+            </a:r>
+          </a:p>
+        </p:txBody>
+      </p:sp>
+      <p:pic>
+        <p:nvPicPr>
+          <p:cNvPr id="6" name="圖片 5">
+            <a:extLst>
+              <a:ext uri="{FF2B5EF4-FFF2-40B4-BE49-F238E27FC236}">
+                <a16:creationId xmlns:a16="http://schemas.microsoft.com/office/drawing/2014/main" id="{EB651E6C-0CB7-4C6B-BAF5-5F583D1C428D}"/>
+              </a:ext>
+            </a:extLst>
+          </p:cNvPr>
+          <p:cNvPicPr>
+            <a:picLocks noChangeAspect="1"/>
+          </p:cNvPicPr>
+          <p:nvPr/>
+        </p:nvPicPr>
+        <p:blipFill>
+          <a:blip r:embed="rId2"/>
+          <a:stretch>
+            <a:fillRect/>
+          </a:stretch>
+        </p:blipFill>
+        <p:spPr>
+          <a:xfrm>
+            <a:off x="7907117" y="4177719"/>
+            <a:ext cx="2780458" cy="2315156"/>
+          </a:xfrm>
+          <a:prstGeom prst="rect">
+            <a:avLst/>
+          </a:prstGeom>
+          <a:ln w="19050">
+            <a:solidFill>
+              <a:srgbClr val="FF0000"/>
+            </a:solidFill>
+          </a:ln>
+        </p:spPr>
+      </p:pic>
+    </p:spTree>
+    <p:extLst>
+      <p:ext uri="{BB962C8B-B14F-4D97-AF65-F5344CB8AC3E}">
+        <p14:creationId xmlns:p14="http://schemas.microsoft.com/office/powerpoint/2010/main" val="3278269577"/>
+      </p:ext>
+    </p:extLst>
+  </p:cSld>
+  <p:clrMapOvr>
+    <a:masterClrMapping/>
+  </p:clrMapOvr>
+</p:sld>
+</file>
+
+<file path=ppt/slides/slide21.xml><?xml version="1.0" encoding="utf-8"?>
+<p:sld xmlns:a="http://schemas.openxmlformats.org/drawingml/2006/main" xmlns:r="http://schemas.openxmlformats.org/officeDocument/2006/relationships" xmlns:p="http://schemas.openxmlformats.org/presentationml/2006/main">
+  <p:cSld>
+    <p:spTree>
+      <p:nvGrpSpPr>
+        <p:cNvPr id="1" name=""/>
+        <p:cNvGrpSpPr/>
+        <p:nvPr/>
+      </p:nvGrpSpPr>
+      <p:grpSpPr>
+        <a:xfrm>
+          <a:off x="0" y="0"/>
+          <a:ext cx="0" cy="0"/>
+          <a:chOff x="0" y="0"/>
+          <a:chExt cx="0" cy="0"/>
+        </a:xfrm>
+      </p:grpSpPr>
+      <p:sp>
+        <p:nvSpPr>
+          <p:cNvPr id="2" name="標題 1">
+            <a:extLst>
+              <a:ext uri="{FF2B5EF4-FFF2-40B4-BE49-F238E27FC236}">
                 <a16:creationId xmlns:a16="http://schemas.microsoft.com/office/drawing/2014/main" id="{02107707-3C7B-4861-9E36-02953C6F0B07}"/>
               </a:ext>
             </a:extLst>
@@ -44665,7 +45133,4233 @@
 </p:sld>
 </file>
 
-<file path=ppt/slides/slide21.xml><?xml version="1.0" encoding="utf-8"?>
+<file path=ppt/slides/slide22.xml><?xml version="1.0" encoding="utf-8"?>
+<p:sld xmlns:a="http://schemas.openxmlformats.org/drawingml/2006/main" xmlns:r="http://schemas.openxmlformats.org/officeDocument/2006/relationships" xmlns:p="http://schemas.openxmlformats.org/presentationml/2006/main">
+  <p:cSld>
+    <p:spTree>
+      <p:nvGrpSpPr>
+        <p:cNvPr id="1" name=""/>
+        <p:cNvGrpSpPr/>
+        <p:nvPr/>
+      </p:nvGrpSpPr>
+      <p:grpSpPr>
+        <a:xfrm>
+          <a:off x="0" y="0"/>
+          <a:ext cx="0" cy="0"/>
+          <a:chOff x="0" y="0"/>
+          <a:chExt cx="0" cy="0"/>
+        </a:xfrm>
+      </p:grpSpPr>
+      <p:sp>
+        <p:nvSpPr>
+          <p:cNvPr id="2" name="標題 1">
+            <a:extLst>
+              <a:ext uri="{FF2B5EF4-FFF2-40B4-BE49-F238E27FC236}">
+                <a16:creationId xmlns:a16="http://schemas.microsoft.com/office/drawing/2014/main" id="{C129A58A-CD97-43A5-BCA0-26BE5CEC9538}"/>
+              </a:ext>
+            </a:extLst>
+          </p:cNvPr>
+          <p:cNvSpPr>
+            <a:spLocks noGrp="1"/>
+          </p:cNvSpPr>
+          <p:nvPr>
+            <p:ph type="title"/>
+          </p:nvPr>
+        </p:nvSpPr>
+        <p:spPr/>
+        <p:txBody>
+          <a:bodyPr/>
+          <a:lstStyle/>
+          <a:p>
+            <a:r>
+              <a:rPr lang="en-US" altLang="zh-TW" dirty="0"/>
+              <a:t>Nested Loop</a:t>
+            </a:r>
+            <a:endParaRPr lang="zh-TW" altLang="en-US" dirty="0"/>
+          </a:p>
+        </p:txBody>
+      </p:sp>
+      <p:sp>
+        <p:nvSpPr>
+          <p:cNvPr id="5" name="文字方塊 4">
+            <a:extLst>
+              <a:ext uri="{FF2B5EF4-FFF2-40B4-BE49-F238E27FC236}">
+                <a16:creationId xmlns:a16="http://schemas.microsoft.com/office/drawing/2014/main" id="{1B6E4973-4533-4B45-87B0-8A7148E3CD10}"/>
+              </a:ext>
+            </a:extLst>
+          </p:cNvPr>
+          <p:cNvSpPr txBox="1"/>
+          <p:nvPr/>
+        </p:nvSpPr>
+        <p:spPr>
+          <a:xfrm>
+            <a:off x="488659" y="1606798"/>
+            <a:ext cx="6094602" cy="4247317"/>
+          </a:xfrm>
+          <a:prstGeom prst="rect">
+            <a:avLst/>
+          </a:prstGeom>
+          <a:noFill/>
+        </p:spPr>
+        <p:txBody>
+          <a:bodyPr wrap="square">
+            <a:spAutoFit/>
+          </a:bodyPr>
+          <a:lstStyle/>
+          <a:p>
+            <a:r>
+              <a:rPr lang="en-US" altLang="zh-TW" b="0" dirty="0">
+                <a:solidFill>
+                  <a:srgbClr val="000000"/>
+                </a:solidFill>
+                <a:effectLst/>
+                <a:latin typeface="Consolas" panose="020B0609020204030204" pitchFamily="49" charset="0"/>
+              </a:rPr>
+              <a:t>    </a:t>
+            </a:r>
+            <a:r>
+              <a:rPr lang="en-US" altLang="zh-TW" b="0" dirty="0">
+                <a:solidFill>
+                  <a:srgbClr val="AF00DB"/>
+                </a:solidFill>
+                <a:effectLst/>
+                <a:latin typeface="Consolas" panose="020B0609020204030204" pitchFamily="49" charset="0"/>
+              </a:rPr>
+              <a:t>for</a:t>
+            </a:r>
+            <a:r>
+              <a:rPr lang="en-US" altLang="zh-TW" b="0" dirty="0">
+                <a:solidFill>
+                  <a:srgbClr val="000000"/>
+                </a:solidFill>
+                <a:effectLst/>
+                <a:latin typeface="Consolas" panose="020B0609020204030204" pitchFamily="49" charset="0"/>
+              </a:rPr>
+              <a:t>(</a:t>
+            </a:r>
+            <a:r>
+              <a:rPr lang="en-US" altLang="zh-TW" b="0" dirty="0">
+                <a:solidFill>
+                  <a:srgbClr val="0000FF"/>
+                </a:solidFill>
+                <a:effectLst/>
+                <a:latin typeface="Consolas" panose="020B0609020204030204" pitchFamily="49" charset="0"/>
+              </a:rPr>
+              <a:t>int</a:t>
+            </a:r>
+            <a:r>
+              <a:rPr lang="en-US" altLang="zh-TW" b="0" dirty="0">
+                <a:solidFill>
+                  <a:srgbClr val="000000"/>
+                </a:solidFill>
+                <a:effectLst/>
+                <a:latin typeface="Consolas" panose="020B0609020204030204" pitchFamily="49" charset="0"/>
+              </a:rPr>
+              <a:t> </a:t>
+            </a:r>
+            <a:r>
+              <a:rPr lang="en-US" altLang="zh-TW" b="0" dirty="0">
+                <a:solidFill>
+                  <a:srgbClr val="001080"/>
+                </a:solidFill>
+                <a:effectLst/>
+                <a:latin typeface="Consolas" panose="020B0609020204030204" pitchFamily="49" charset="0"/>
+              </a:rPr>
+              <a:t>ii</a:t>
+            </a:r>
+            <a:r>
+              <a:rPr lang="en-US" altLang="zh-TW" b="0" dirty="0">
+                <a:solidFill>
+                  <a:srgbClr val="000000"/>
+                </a:solidFill>
+                <a:effectLst/>
+                <a:latin typeface="Consolas" panose="020B0609020204030204" pitchFamily="49" charset="0"/>
+              </a:rPr>
+              <a:t> = </a:t>
+            </a:r>
+            <a:r>
+              <a:rPr lang="en-US" altLang="zh-TW" b="0" dirty="0">
+                <a:solidFill>
+                  <a:srgbClr val="098658"/>
+                </a:solidFill>
+                <a:effectLst/>
+                <a:latin typeface="Consolas" panose="020B0609020204030204" pitchFamily="49" charset="0"/>
+              </a:rPr>
+              <a:t>0</a:t>
+            </a:r>
+            <a:r>
+              <a:rPr lang="en-US" altLang="zh-TW" b="0" dirty="0">
+                <a:solidFill>
+                  <a:srgbClr val="000000"/>
+                </a:solidFill>
+                <a:effectLst/>
+                <a:latin typeface="Consolas" panose="020B0609020204030204" pitchFamily="49" charset="0"/>
+              </a:rPr>
+              <a:t>; </a:t>
+            </a:r>
+            <a:r>
+              <a:rPr lang="en-US" altLang="zh-TW" b="0" dirty="0">
+                <a:solidFill>
+                  <a:srgbClr val="001080"/>
+                </a:solidFill>
+                <a:effectLst/>
+                <a:latin typeface="Consolas" panose="020B0609020204030204" pitchFamily="49" charset="0"/>
+              </a:rPr>
+              <a:t>ii</a:t>
+            </a:r>
+            <a:r>
+              <a:rPr lang="en-US" altLang="zh-TW" b="0" dirty="0">
+                <a:solidFill>
+                  <a:srgbClr val="000000"/>
+                </a:solidFill>
+                <a:effectLst/>
+                <a:latin typeface="Consolas" panose="020B0609020204030204" pitchFamily="49" charset="0"/>
+              </a:rPr>
+              <a:t> &lt; </a:t>
+            </a:r>
+            <a:r>
+              <a:rPr lang="en-US" altLang="zh-TW" b="0" dirty="0">
+                <a:solidFill>
+                  <a:srgbClr val="098658"/>
+                </a:solidFill>
+                <a:effectLst/>
+                <a:latin typeface="Consolas" panose="020B0609020204030204" pitchFamily="49" charset="0"/>
+              </a:rPr>
+              <a:t>3</a:t>
+            </a:r>
+            <a:r>
+              <a:rPr lang="en-US" altLang="zh-TW" b="0" dirty="0">
+                <a:solidFill>
+                  <a:srgbClr val="000000"/>
+                </a:solidFill>
+                <a:effectLst/>
+                <a:latin typeface="Consolas" panose="020B0609020204030204" pitchFamily="49" charset="0"/>
+              </a:rPr>
+              <a:t>; </a:t>
+            </a:r>
+            <a:r>
+              <a:rPr lang="en-US" altLang="zh-TW" b="0" dirty="0">
+                <a:solidFill>
+                  <a:srgbClr val="001080"/>
+                </a:solidFill>
+                <a:effectLst/>
+                <a:latin typeface="Consolas" panose="020B0609020204030204" pitchFamily="49" charset="0"/>
+              </a:rPr>
+              <a:t>ii</a:t>
+            </a:r>
+            <a:r>
+              <a:rPr lang="en-US" altLang="zh-TW" b="0" dirty="0">
+                <a:solidFill>
+                  <a:srgbClr val="000000"/>
+                </a:solidFill>
+                <a:effectLst/>
+                <a:latin typeface="Consolas" panose="020B0609020204030204" pitchFamily="49" charset="0"/>
+              </a:rPr>
+              <a:t> = </a:t>
+            </a:r>
+            <a:r>
+              <a:rPr lang="en-US" altLang="zh-TW" b="0" dirty="0">
+                <a:solidFill>
+                  <a:srgbClr val="001080"/>
+                </a:solidFill>
+                <a:effectLst/>
+                <a:latin typeface="Consolas" panose="020B0609020204030204" pitchFamily="49" charset="0"/>
+              </a:rPr>
+              <a:t>ii</a:t>
+            </a:r>
+            <a:r>
+              <a:rPr lang="en-US" altLang="zh-TW" b="0" dirty="0">
+                <a:solidFill>
+                  <a:srgbClr val="000000"/>
+                </a:solidFill>
+                <a:effectLst/>
+                <a:latin typeface="Consolas" panose="020B0609020204030204" pitchFamily="49" charset="0"/>
+              </a:rPr>
+              <a:t> + </a:t>
+            </a:r>
+            <a:r>
+              <a:rPr lang="en-US" altLang="zh-TW" b="0" dirty="0">
+                <a:solidFill>
+                  <a:srgbClr val="098658"/>
+                </a:solidFill>
+                <a:effectLst/>
+                <a:latin typeface="Consolas" panose="020B0609020204030204" pitchFamily="49" charset="0"/>
+              </a:rPr>
+              <a:t>1</a:t>
+            </a:r>
+            <a:r>
+              <a:rPr lang="en-US" altLang="zh-TW" b="0" dirty="0">
+                <a:solidFill>
+                  <a:srgbClr val="000000"/>
+                </a:solidFill>
+                <a:effectLst/>
+                <a:latin typeface="Consolas" panose="020B0609020204030204" pitchFamily="49" charset="0"/>
+              </a:rPr>
+              <a:t>)</a:t>
+            </a:r>
+          </a:p>
+          <a:p>
+            <a:r>
+              <a:rPr lang="en-US" altLang="zh-TW" b="0" dirty="0">
+                <a:solidFill>
+                  <a:srgbClr val="000000"/>
+                </a:solidFill>
+                <a:effectLst/>
+                <a:latin typeface="Consolas" panose="020B0609020204030204" pitchFamily="49" charset="0"/>
+              </a:rPr>
+              <a:t>    {</a:t>
+            </a:r>
+          </a:p>
+          <a:p>
+            <a:r>
+              <a:rPr lang="en-US" altLang="zh-TW" b="0" dirty="0">
+                <a:solidFill>
+                  <a:srgbClr val="000000"/>
+                </a:solidFill>
+                <a:effectLst/>
+                <a:latin typeface="Consolas" panose="020B0609020204030204" pitchFamily="49" charset="0"/>
+              </a:rPr>
+              <a:t>        </a:t>
+            </a:r>
+            <a:r>
+              <a:rPr lang="en-US" altLang="zh-TW" b="0" dirty="0">
+                <a:solidFill>
+                  <a:srgbClr val="267F99"/>
+                </a:solidFill>
+                <a:effectLst/>
+                <a:latin typeface="Consolas" panose="020B0609020204030204" pitchFamily="49" charset="0"/>
+              </a:rPr>
+              <a:t>std</a:t>
+            </a:r>
+            <a:r>
+              <a:rPr lang="en-US" altLang="zh-TW" b="0" dirty="0">
+                <a:solidFill>
+                  <a:srgbClr val="000000"/>
+                </a:solidFill>
+                <a:effectLst/>
+                <a:latin typeface="Consolas" panose="020B0609020204030204" pitchFamily="49" charset="0"/>
+              </a:rPr>
+              <a:t>::</a:t>
+            </a:r>
+            <a:r>
+              <a:rPr lang="en-US" altLang="zh-TW" b="0" dirty="0" err="1">
+                <a:solidFill>
+                  <a:srgbClr val="001080"/>
+                </a:solidFill>
+                <a:effectLst/>
+                <a:latin typeface="Consolas" panose="020B0609020204030204" pitchFamily="49" charset="0"/>
+              </a:rPr>
+              <a:t>cout</a:t>
+            </a:r>
+            <a:r>
+              <a:rPr lang="en-US" altLang="zh-TW" b="0" dirty="0">
+                <a:solidFill>
+                  <a:srgbClr val="000000"/>
+                </a:solidFill>
+                <a:effectLst/>
+                <a:latin typeface="Consolas" panose="020B0609020204030204" pitchFamily="49" charset="0"/>
+              </a:rPr>
+              <a:t> </a:t>
+            </a:r>
+            <a:r>
+              <a:rPr lang="en-US" altLang="zh-TW" b="0" dirty="0">
+                <a:solidFill>
+                  <a:srgbClr val="795E26"/>
+                </a:solidFill>
+                <a:effectLst/>
+                <a:latin typeface="Consolas" panose="020B0609020204030204" pitchFamily="49" charset="0"/>
+              </a:rPr>
+              <a:t>&lt;&lt;</a:t>
+            </a:r>
+            <a:r>
+              <a:rPr lang="en-US" altLang="zh-TW" b="0" dirty="0">
+                <a:solidFill>
+                  <a:srgbClr val="000000"/>
+                </a:solidFill>
+                <a:effectLst/>
+                <a:latin typeface="Consolas" panose="020B0609020204030204" pitchFamily="49" charset="0"/>
+              </a:rPr>
+              <a:t> </a:t>
+            </a:r>
+            <a:r>
+              <a:rPr lang="en-US" altLang="zh-TW" b="0" dirty="0">
+                <a:solidFill>
+                  <a:srgbClr val="A31515"/>
+                </a:solidFill>
+                <a:effectLst/>
+                <a:latin typeface="Consolas" panose="020B0609020204030204" pitchFamily="49" charset="0"/>
+              </a:rPr>
+              <a:t>"("</a:t>
+            </a:r>
+            <a:r>
+              <a:rPr lang="en-US" altLang="zh-TW" b="0" dirty="0">
+                <a:solidFill>
+                  <a:srgbClr val="000000"/>
+                </a:solidFill>
+                <a:effectLst/>
+                <a:latin typeface="Consolas" panose="020B0609020204030204" pitchFamily="49" charset="0"/>
+              </a:rPr>
+              <a:t>;</a:t>
+            </a:r>
+          </a:p>
+          <a:p>
+            <a:r>
+              <a:rPr lang="en-US" altLang="zh-TW" b="0" dirty="0">
+                <a:solidFill>
+                  <a:srgbClr val="000000"/>
+                </a:solidFill>
+                <a:effectLst/>
+                <a:latin typeface="Consolas" panose="020B0609020204030204" pitchFamily="49" charset="0"/>
+              </a:rPr>
+              <a:t>        </a:t>
+            </a:r>
+            <a:r>
+              <a:rPr lang="en-US" altLang="zh-TW" b="0" dirty="0">
+                <a:solidFill>
+                  <a:srgbClr val="AF00DB"/>
+                </a:solidFill>
+                <a:effectLst/>
+                <a:latin typeface="Consolas" panose="020B0609020204030204" pitchFamily="49" charset="0"/>
+              </a:rPr>
+              <a:t>for</a:t>
+            </a:r>
+            <a:r>
+              <a:rPr lang="en-US" altLang="zh-TW" b="0" dirty="0">
+                <a:solidFill>
+                  <a:srgbClr val="000000"/>
+                </a:solidFill>
+                <a:effectLst/>
+                <a:latin typeface="Consolas" panose="020B0609020204030204" pitchFamily="49" charset="0"/>
+              </a:rPr>
+              <a:t>(</a:t>
+            </a:r>
+            <a:r>
+              <a:rPr lang="en-US" altLang="zh-TW" b="0" dirty="0">
+                <a:solidFill>
+                  <a:srgbClr val="0000FF"/>
+                </a:solidFill>
+                <a:effectLst/>
+                <a:latin typeface="Consolas" panose="020B0609020204030204" pitchFamily="49" charset="0"/>
+              </a:rPr>
+              <a:t>int</a:t>
+            </a:r>
+            <a:r>
+              <a:rPr lang="en-US" altLang="zh-TW" b="0" dirty="0">
+                <a:solidFill>
+                  <a:srgbClr val="000000"/>
+                </a:solidFill>
+                <a:effectLst/>
+                <a:latin typeface="Consolas" panose="020B0609020204030204" pitchFamily="49" charset="0"/>
+              </a:rPr>
+              <a:t> </a:t>
+            </a:r>
+            <a:r>
+              <a:rPr lang="en-US" altLang="zh-TW" b="0" dirty="0" err="1">
+                <a:solidFill>
+                  <a:srgbClr val="001080"/>
+                </a:solidFill>
+                <a:effectLst/>
+                <a:latin typeface="Consolas" panose="020B0609020204030204" pitchFamily="49" charset="0"/>
+              </a:rPr>
+              <a:t>jj</a:t>
+            </a:r>
+            <a:r>
+              <a:rPr lang="en-US" altLang="zh-TW" b="0" dirty="0">
+                <a:solidFill>
+                  <a:srgbClr val="000000"/>
+                </a:solidFill>
+                <a:effectLst/>
+                <a:latin typeface="Consolas" panose="020B0609020204030204" pitchFamily="49" charset="0"/>
+              </a:rPr>
+              <a:t> = </a:t>
+            </a:r>
+            <a:r>
+              <a:rPr lang="en-US" altLang="zh-TW" b="0" dirty="0">
+                <a:solidFill>
+                  <a:srgbClr val="098658"/>
+                </a:solidFill>
+                <a:effectLst/>
+                <a:latin typeface="Consolas" panose="020B0609020204030204" pitchFamily="49" charset="0"/>
+              </a:rPr>
+              <a:t>0</a:t>
+            </a:r>
+            <a:r>
+              <a:rPr lang="en-US" altLang="zh-TW" b="0" dirty="0">
+                <a:solidFill>
+                  <a:srgbClr val="000000"/>
+                </a:solidFill>
+                <a:effectLst/>
+                <a:latin typeface="Consolas" panose="020B0609020204030204" pitchFamily="49" charset="0"/>
+              </a:rPr>
+              <a:t>; </a:t>
+            </a:r>
+            <a:r>
+              <a:rPr lang="en-US" altLang="zh-TW" b="0" dirty="0" err="1">
+                <a:solidFill>
+                  <a:srgbClr val="001080"/>
+                </a:solidFill>
+                <a:effectLst/>
+                <a:latin typeface="Consolas" panose="020B0609020204030204" pitchFamily="49" charset="0"/>
+              </a:rPr>
+              <a:t>jj</a:t>
+            </a:r>
+            <a:r>
+              <a:rPr lang="en-US" altLang="zh-TW" b="0" dirty="0">
+                <a:solidFill>
+                  <a:srgbClr val="000000"/>
+                </a:solidFill>
+                <a:effectLst/>
+                <a:latin typeface="Consolas" panose="020B0609020204030204" pitchFamily="49" charset="0"/>
+              </a:rPr>
+              <a:t> &lt; </a:t>
+            </a:r>
+            <a:r>
+              <a:rPr lang="en-US" altLang="zh-TW" b="0" dirty="0">
+                <a:solidFill>
+                  <a:srgbClr val="098658"/>
+                </a:solidFill>
+                <a:effectLst/>
+                <a:latin typeface="Consolas" panose="020B0609020204030204" pitchFamily="49" charset="0"/>
+              </a:rPr>
+              <a:t>3</a:t>
+            </a:r>
+            <a:r>
+              <a:rPr lang="en-US" altLang="zh-TW" b="0" dirty="0">
+                <a:solidFill>
+                  <a:srgbClr val="000000"/>
+                </a:solidFill>
+                <a:effectLst/>
+                <a:latin typeface="Consolas" panose="020B0609020204030204" pitchFamily="49" charset="0"/>
+              </a:rPr>
+              <a:t>; </a:t>
+            </a:r>
+            <a:r>
+              <a:rPr lang="en-US" altLang="zh-TW" b="0" dirty="0" err="1">
+                <a:solidFill>
+                  <a:srgbClr val="001080"/>
+                </a:solidFill>
+                <a:effectLst/>
+                <a:latin typeface="Consolas" panose="020B0609020204030204" pitchFamily="49" charset="0"/>
+              </a:rPr>
+              <a:t>jj</a:t>
+            </a:r>
+            <a:r>
+              <a:rPr lang="en-US" altLang="zh-TW" b="0" dirty="0">
+                <a:solidFill>
+                  <a:srgbClr val="000000"/>
+                </a:solidFill>
+                <a:effectLst/>
+                <a:latin typeface="Consolas" panose="020B0609020204030204" pitchFamily="49" charset="0"/>
+              </a:rPr>
+              <a:t> = </a:t>
+            </a:r>
+            <a:r>
+              <a:rPr lang="en-US" altLang="zh-TW" b="0" dirty="0" err="1">
+                <a:solidFill>
+                  <a:srgbClr val="001080"/>
+                </a:solidFill>
+                <a:effectLst/>
+                <a:latin typeface="Consolas" panose="020B0609020204030204" pitchFamily="49" charset="0"/>
+              </a:rPr>
+              <a:t>jj</a:t>
+            </a:r>
+            <a:r>
+              <a:rPr lang="en-US" altLang="zh-TW" b="0" dirty="0">
+                <a:solidFill>
+                  <a:srgbClr val="000000"/>
+                </a:solidFill>
+                <a:effectLst/>
+                <a:latin typeface="Consolas" panose="020B0609020204030204" pitchFamily="49" charset="0"/>
+              </a:rPr>
+              <a:t> + </a:t>
+            </a:r>
+            <a:r>
+              <a:rPr lang="en-US" altLang="zh-TW" b="0" dirty="0">
+                <a:solidFill>
+                  <a:srgbClr val="098658"/>
+                </a:solidFill>
+                <a:effectLst/>
+                <a:latin typeface="Consolas" panose="020B0609020204030204" pitchFamily="49" charset="0"/>
+              </a:rPr>
+              <a:t>1</a:t>
+            </a:r>
+            <a:r>
+              <a:rPr lang="en-US" altLang="zh-TW" b="0" dirty="0">
+                <a:solidFill>
+                  <a:srgbClr val="000000"/>
+                </a:solidFill>
+                <a:effectLst/>
+                <a:latin typeface="Consolas" panose="020B0609020204030204" pitchFamily="49" charset="0"/>
+              </a:rPr>
+              <a:t>)</a:t>
+            </a:r>
+          </a:p>
+          <a:p>
+            <a:r>
+              <a:rPr lang="en-US" altLang="zh-TW" b="0" dirty="0">
+                <a:solidFill>
+                  <a:srgbClr val="000000"/>
+                </a:solidFill>
+                <a:effectLst/>
+                <a:latin typeface="Consolas" panose="020B0609020204030204" pitchFamily="49" charset="0"/>
+              </a:rPr>
+              <a:t>        {</a:t>
+            </a:r>
+          </a:p>
+          <a:p>
+            <a:r>
+              <a:rPr lang="en-US" altLang="zh-TW" b="0" dirty="0">
+                <a:solidFill>
+                  <a:srgbClr val="000000"/>
+                </a:solidFill>
+                <a:effectLst/>
+                <a:latin typeface="Consolas" panose="020B0609020204030204" pitchFamily="49" charset="0"/>
+              </a:rPr>
+              <a:t>            </a:t>
+            </a:r>
+            <a:r>
+              <a:rPr lang="en-US" altLang="zh-TW" b="0" dirty="0">
+                <a:solidFill>
+                  <a:srgbClr val="267F99"/>
+                </a:solidFill>
+                <a:effectLst/>
+                <a:latin typeface="Consolas" panose="020B0609020204030204" pitchFamily="49" charset="0"/>
+              </a:rPr>
+              <a:t>std</a:t>
+            </a:r>
+            <a:r>
+              <a:rPr lang="en-US" altLang="zh-TW" b="0" dirty="0">
+                <a:solidFill>
+                  <a:srgbClr val="000000"/>
+                </a:solidFill>
+                <a:effectLst/>
+                <a:latin typeface="Consolas" panose="020B0609020204030204" pitchFamily="49" charset="0"/>
+              </a:rPr>
+              <a:t>::</a:t>
+            </a:r>
+            <a:r>
+              <a:rPr lang="en-US" altLang="zh-TW" b="0" dirty="0" err="1">
+                <a:solidFill>
+                  <a:srgbClr val="001080"/>
+                </a:solidFill>
+                <a:effectLst/>
+                <a:latin typeface="Consolas" panose="020B0609020204030204" pitchFamily="49" charset="0"/>
+              </a:rPr>
+              <a:t>cout</a:t>
+            </a:r>
+            <a:r>
+              <a:rPr lang="en-US" altLang="zh-TW" b="0" dirty="0">
+                <a:solidFill>
+                  <a:srgbClr val="000000"/>
+                </a:solidFill>
+                <a:effectLst/>
+                <a:latin typeface="Consolas" panose="020B0609020204030204" pitchFamily="49" charset="0"/>
+              </a:rPr>
+              <a:t> </a:t>
+            </a:r>
+            <a:r>
+              <a:rPr lang="en-US" altLang="zh-TW" b="0" dirty="0">
+                <a:solidFill>
+                  <a:srgbClr val="795E26"/>
+                </a:solidFill>
+                <a:effectLst/>
+                <a:latin typeface="Consolas" panose="020B0609020204030204" pitchFamily="49" charset="0"/>
+              </a:rPr>
+              <a:t>&lt;&lt;</a:t>
+            </a:r>
+            <a:r>
+              <a:rPr lang="en-US" altLang="zh-TW" b="0" dirty="0">
+                <a:solidFill>
+                  <a:srgbClr val="000000"/>
+                </a:solidFill>
+                <a:effectLst/>
+                <a:latin typeface="Consolas" panose="020B0609020204030204" pitchFamily="49" charset="0"/>
+              </a:rPr>
+              <a:t> </a:t>
+            </a:r>
+            <a:r>
+              <a:rPr lang="en-US" altLang="zh-TW" b="0" dirty="0">
+                <a:solidFill>
+                  <a:srgbClr val="A31515"/>
+                </a:solidFill>
+                <a:effectLst/>
+                <a:latin typeface="Consolas" panose="020B0609020204030204" pitchFamily="49" charset="0"/>
+              </a:rPr>
+              <a:t>"knock"</a:t>
+            </a:r>
+            <a:r>
+              <a:rPr lang="en-US" altLang="zh-TW" b="0" dirty="0">
+                <a:solidFill>
+                  <a:srgbClr val="000000"/>
+                </a:solidFill>
+                <a:effectLst/>
+                <a:latin typeface="Consolas" panose="020B0609020204030204" pitchFamily="49" charset="0"/>
+              </a:rPr>
+              <a:t>;</a:t>
+            </a:r>
+          </a:p>
+          <a:p>
+            <a:r>
+              <a:rPr lang="en-US" altLang="zh-TW" b="0" dirty="0">
+                <a:solidFill>
+                  <a:srgbClr val="000000"/>
+                </a:solidFill>
+                <a:effectLst/>
+                <a:latin typeface="Consolas" panose="020B0609020204030204" pitchFamily="49" charset="0"/>
+              </a:rPr>
+              <a:t>            </a:t>
+            </a:r>
+            <a:r>
+              <a:rPr lang="en-US" altLang="zh-TW" b="0" dirty="0">
+                <a:solidFill>
+                  <a:srgbClr val="AF00DB"/>
+                </a:solidFill>
+                <a:effectLst/>
+                <a:latin typeface="Consolas" panose="020B0609020204030204" pitchFamily="49" charset="0"/>
+              </a:rPr>
+              <a:t>if</a:t>
+            </a:r>
+            <a:r>
+              <a:rPr lang="en-US" altLang="zh-TW" b="0" dirty="0">
+                <a:solidFill>
+                  <a:srgbClr val="000000"/>
+                </a:solidFill>
+                <a:effectLst/>
+                <a:latin typeface="Consolas" panose="020B0609020204030204" pitchFamily="49" charset="0"/>
+              </a:rPr>
+              <a:t> (</a:t>
+            </a:r>
+            <a:r>
+              <a:rPr lang="en-US" altLang="zh-TW" b="0" dirty="0" err="1">
+                <a:solidFill>
+                  <a:srgbClr val="001080"/>
+                </a:solidFill>
+                <a:effectLst/>
+                <a:latin typeface="Consolas" panose="020B0609020204030204" pitchFamily="49" charset="0"/>
+              </a:rPr>
+              <a:t>jj</a:t>
+            </a:r>
+            <a:r>
+              <a:rPr lang="en-US" altLang="zh-TW" b="0" dirty="0">
+                <a:solidFill>
+                  <a:srgbClr val="000000"/>
+                </a:solidFill>
+                <a:effectLst/>
+                <a:latin typeface="Consolas" panose="020B0609020204030204" pitchFamily="49" charset="0"/>
+              </a:rPr>
+              <a:t> &lt; </a:t>
+            </a:r>
+            <a:r>
+              <a:rPr lang="en-US" altLang="zh-TW" b="0" dirty="0">
+                <a:solidFill>
+                  <a:srgbClr val="098658"/>
+                </a:solidFill>
+                <a:effectLst/>
+                <a:latin typeface="Consolas" panose="020B0609020204030204" pitchFamily="49" charset="0"/>
+              </a:rPr>
+              <a:t>3</a:t>
+            </a:r>
+            <a:r>
+              <a:rPr lang="en-US" altLang="zh-TW" b="0" dirty="0">
+                <a:solidFill>
+                  <a:srgbClr val="000000"/>
+                </a:solidFill>
+                <a:effectLst/>
+                <a:latin typeface="Consolas" panose="020B0609020204030204" pitchFamily="49" charset="0"/>
+              </a:rPr>
+              <a:t> - </a:t>
+            </a:r>
+            <a:r>
+              <a:rPr lang="en-US" altLang="zh-TW" b="0" dirty="0">
+                <a:solidFill>
+                  <a:srgbClr val="098658"/>
+                </a:solidFill>
+                <a:effectLst/>
+                <a:latin typeface="Consolas" panose="020B0609020204030204" pitchFamily="49" charset="0"/>
+              </a:rPr>
+              <a:t>1</a:t>
+            </a:r>
+            <a:r>
+              <a:rPr lang="en-US" altLang="zh-TW" b="0" dirty="0">
+                <a:solidFill>
+                  <a:srgbClr val="000000"/>
+                </a:solidFill>
+                <a:effectLst/>
+                <a:latin typeface="Consolas" panose="020B0609020204030204" pitchFamily="49" charset="0"/>
+              </a:rPr>
+              <a:t>)</a:t>
+            </a:r>
+          </a:p>
+          <a:p>
+            <a:r>
+              <a:rPr lang="en-US" altLang="zh-TW" b="0" dirty="0">
+                <a:solidFill>
+                  <a:srgbClr val="000000"/>
+                </a:solidFill>
+                <a:effectLst/>
+                <a:latin typeface="Consolas" panose="020B0609020204030204" pitchFamily="49" charset="0"/>
+              </a:rPr>
+              <a:t>            {</a:t>
+            </a:r>
+          </a:p>
+          <a:p>
+            <a:r>
+              <a:rPr lang="en-US" altLang="zh-TW" b="0" dirty="0">
+                <a:solidFill>
+                  <a:srgbClr val="000000"/>
+                </a:solidFill>
+                <a:effectLst/>
+                <a:latin typeface="Consolas" panose="020B0609020204030204" pitchFamily="49" charset="0"/>
+              </a:rPr>
+              <a:t>                </a:t>
+            </a:r>
+            <a:r>
+              <a:rPr lang="en-US" altLang="zh-TW" b="0" dirty="0">
+                <a:solidFill>
+                  <a:srgbClr val="267F99"/>
+                </a:solidFill>
+                <a:effectLst/>
+                <a:latin typeface="Consolas" panose="020B0609020204030204" pitchFamily="49" charset="0"/>
+              </a:rPr>
+              <a:t>std</a:t>
+            </a:r>
+            <a:r>
+              <a:rPr lang="en-US" altLang="zh-TW" b="0" dirty="0">
+                <a:solidFill>
+                  <a:srgbClr val="000000"/>
+                </a:solidFill>
+                <a:effectLst/>
+                <a:latin typeface="Consolas" panose="020B0609020204030204" pitchFamily="49" charset="0"/>
+              </a:rPr>
+              <a:t>::</a:t>
+            </a:r>
+            <a:r>
+              <a:rPr lang="en-US" altLang="zh-TW" b="0" dirty="0" err="1">
+                <a:solidFill>
+                  <a:srgbClr val="001080"/>
+                </a:solidFill>
+                <a:effectLst/>
+                <a:latin typeface="Consolas" panose="020B0609020204030204" pitchFamily="49" charset="0"/>
+              </a:rPr>
+              <a:t>cout</a:t>
+            </a:r>
+            <a:r>
+              <a:rPr lang="en-US" altLang="zh-TW" b="0" dirty="0">
+                <a:solidFill>
+                  <a:srgbClr val="000000"/>
+                </a:solidFill>
+                <a:effectLst/>
+                <a:latin typeface="Consolas" panose="020B0609020204030204" pitchFamily="49" charset="0"/>
+              </a:rPr>
+              <a:t> </a:t>
+            </a:r>
+            <a:r>
+              <a:rPr lang="en-US" altLang="zh-TW" b="0" dirty="0">
+                <a:solidFill>
+                  <a:srgbClr val="795E26"/>
+                </a:solidFill>
+                <a:effectLst/>
+                <a:latin typeface="Consolas" panose="020B0609020204030204" pitchFamily="49" charset="0"/>
+              </a:rPr>
+              <a:t>&lt;&lt;</a:t>
+            </a:r>
+            <a:r>
+              <a:rPr lang="en-US" altLang="zh-TW" b="0" dirty="0">
+                <a:solidFill>
+                  <a:srgbClr val="000000"/>
+                </a:solidFill>
+                <a:effectLst/>
+                <a:latin typeface="Consolas" panose="020B0609020204030204" pitchFamily="49" charset="0"/>
+              </a:rPr>
+              <a:t> </a:t>
+            </a:r>
+            <a:r>
+              <a:rPr lang="en-US" altLang="zh-TW" b="0" dirty="0">
+                <a:solidFill>
+                  <a:srgbClr val="A31515"/>
+                </a:solidFill>
+                <a:effectLst/>
+                <a:latin typeface="Consolas" panose="020B0609020204030204" pitchFamily="49" charset="0"/>
+              </a:rPr>
+              <a:t>", "</a:t>
+            </a:r>
+            <a:r>
+              <a:rPr lang="en-US" altLang="zh-TW" b="0" dirty="0">
+                <a:solidFill>
+                  <a:srgbClr val="000000"/>
+                </a:solidFill>
+                <a:effectLst/>
+                <a:latin typeface="Consolas" panose="020B0609020204030204" pitchFamily="49" charset="0"/>
+              </a:rPr>
+              <a:t>;</a:t>
+            </a:r>
+          </a:p>
+          <a:p>
+            <a:r>
+              <a:rPr lang="en-US" altLang="zh-TW" b="0" dirty="0">
+                <a:solidFill>
+                  <a:srgbClr val="000000"/>
+                </a:solidFill>
+                <a:effectLst/>
+                <a:latin typeface="Consolas" panose="020B0609020204030204" pitchFamily="49" charset="0"/>
+              </a:rPr>
+              <a:t>            }</a:t>
+            </a:r>
+          </a:p>
+          <a:p>
+            <a:r>
+              <a:rPr lang="en-US" altLang="zh-TW" b="0" dirty="0">
+                <a:solidFill>
+                  <a:srgbClr val="000000"/>
+                </a:solidFill>
+                <a:effectLst/>
+                <a:latin typeface="Consolas" panose="020B0609020204030204" pitchFamily="49" charset="0"/>
+              </a:rPr>
+              <a:t>        }</a:t>
+            </a:r>
+          </a:p>
+          <a:p>
+            <a:r>
+              <a:rPr lang="en-US" altLang="zh-TW" b="0" dirty="0">
+                <a:solidFill>
+                  <a:srgbClr val="000000"/>
+                </a:solidFill>
+                <a:effectLst/>
+                <a:latin typeface="Consolas" panose="020B0609020204030204" pitchFamily="49" charset="0"/>
+              </a:rPr>
+              <a:t>        </a:t>
+            </a:r>
+            <a:r>
+              <a:rPr lang="en-US" altLang="zh-TW" b="0" dirty="0">
+                <a:solidFill>
+                  <a:srgbClr val="267F99"/>
+                </a:solidFill>
+                <a:effectLst/>
+                <a:latin typeface="Consolas" panose="020B0609020204030204" pitchFamily="49" charset="0"/>
+              </a:rPr>
+              <a:t>std</a:t>
+            </a:r>
+            <a:r>
+              <a:rPr lang="en-US" altLang="zh-TW" b="0" dirty="0">
+                <a:solidFill>
+                  <a:srgbClr val="000000"/>
+                </a:solidFill>
+                <a:effectLst/>
+                <a:latin typeface="Consolas" panose="020B0609020204030204" pitchFamily="49" charset="0"/>
+              </a:rPr>
+              <a:t>::</a:t>
+            </a:r>
+            <a:r>
+              <a:rPr lang="en-US" altLang="zh-TW" b="0" dirty="0" err="1">
+                <a:solidFill>
+                  <a:srgbClr val="001080"/>
+                </a:solidFill>
+                <a:effectLst/>
+                <a:latin typeface="Consolas" panose="020B0609020204030204" pitchFamily="49" charset="0"/>
+              </a:rPr>
+              <a:t>cout</a:t>
+            </a:r>
+            <a:r>
+              <a:rPr lang="en-US" altLang="zh-TW" b="0" dirty="0">
+                <a:solidFill>
+                  <a:srgbClr val="000000"/>
+                </a:solidFill>
+                <a:effectLst/>
+                <a:latin typeface="Consolas" panose="020B0609020204030204" pitchFamily="49" charset="0"/>
+              </a:rPr>
+              <a:t> </a:t>
+            </a:r>
+            <a:r>
+              <a:rPr lang="en-US" altLang="zh-TW" b="0" dirty="0">
+                <a:solidFill>
+                  <a:srgbClr val="795E26"/>
+                </a:solidFill>
+                <a:effectLst/>
+                <a:latin typeface="Consolas" panose="020B0609020204030204" pitchFamily="49" charset="0"/>
+              </a:rPr>
+              <a:t>&lt;&lt;</a:t>
+            </a:r>
+            <a:r>
+              <a:rPr lang="en-US" altLang="zh-TW" b="0" dirty="0">
+                <a:solidFill>
+                  <a:srgbClr val="000000"/>
+                </a:solidFill>
+                <a:effectLst/>
+                <a:latin typeface="Consolas" panose="020B0609020204030204" pitchFamily="49" charset="0"/>
+              </a:rPr>
+              <a:t> </a:t>
+            </a:r>
+            <a:r>
+              <a:rPr lang="en-US" altLang="zh-TW" b="0" dirty="0">
+                <a:solidFill>
+                  <a:srgbClr val="A31515"/>
+                </a:solidFill>
+                <a:effectLst/>
+                <a:latin typeface="Consolas" panose="020B0609020204030204" pitchFamily="49" charset="0"/>
+              </a:rPr>
+              <a:t>") "</a:t>
+            </a:r>
+            <a:r>
+              <a:rPr lang="en-US" altLang="zh-TW" b="0" dirty="0">
+                <a:solidFill>
+                  <a:srgbClr val="000000"/>
+                </a:solidFill>
+                <a:effectLst/>
+                <a:latin typeface="Consolas" panose="020B0609020204030204" pitchFamily="49" charset="0"/>
+              </a:rPr>
+              <a:t>;</a:t>
+            </a:r>
+          </a:p>
+          <a:p>
+            <a:br>
+              <a:rPr lang="en-US" altLang="zh-TW" b="0" dirty="0">
+                <a:solidFill>
+                  <a:srgbClr val="000000"/>
+                </a:solidFill>
+                <a:effectLst/>
+                <a:latin typeface="Consolas" panose="020B0609020204030204" pitchFamily="49" charset="0"/>
+              </a:rPr>
+            </a:br>
+            <a:r>
+              <a:rPr lang="en-US" altLang="zh-TW" b="0" dirty="0">
+                <a:solidFill>
+                  <a:srgbClr val="000000"/>
+                </a:solidFill>
+                <a:effectLst/>
+                <a:latin typeface="Consolas" panose="020B0609020204030204" pitchFamily="49" charset="0"/>
+              </a:rPr>
+              <a:t>        </a:t>
+            </a:r>
+            <a:r>
+              <a:rPr lang="en-US" altLang="zh-TW" b="0" dirty="0">
+                <a:solidFill>
+                  <a:srgbClr val="267F99"/>
+                </a:solidFill>
+                <a:effectLst/>
+                <a:latin typeface="Consolas" panose="020B0609020204030204" pitchFamily="49" charset="0"/>
+              </a:rPr>
+              <a:t>std</a:t>
+            </a:r>
+            <a:r>
+              <a:rPr lang="en-US" altLang="zh-TW" b="0" dirty="0">
+                <a:solidFill>
+                  <a:srgbClr val="000000"/>
+                </a:solidFill>
+                <a:effectLst/>
+                <a:latin typeface="Consolas" panose="020B0609020204030204" pitchFamily="49" charset="0"/>
+              </a:rPr>
+              <a:t>::</a:t>
+            </a:r>
+            <a:r>
+              <a:rPr lang="en-US" altLang="zh-TW" b="0" dirty="0" err="1">
+                <a:solidFill>
+                  <a:srgbClr val="001080"/>
+                </a:solidFill>
+                <a:effectLst/>
+                <a:latin typeface="Consolas" panose="020B0609020204030204" pitchFamily="49" charset="0"/>
+              </a:rPr>
+              <a:t>cout</a:t>
+            </a:r>
+            <a:r>
+              <a:rPr lang="en-US" altLang="zh-TW" b="0" dirty="0">
+                <a:solidFill>
+                  <a:srgbClr val="000000"/>
+                </a:solidFill>
+                <a:effectLst/>
+                <a:latin typeface="Consolas" panose="020B0609020204030204" pitchFamily="49" charset="0"/>
+              </a:rPr>
+              <a:t> </a:t>
+            </a:r>
+            <a:r>
+              <a:rPr lang="en-US" altLang="zh-TW" b="0" dirty="0">
+                <a:solidFill>
+                  <a:srgbClr val="795E26"/>
+                </a:solidFill>
+                <a:effectLst/>
+                <a:latin typeface="Consolas" panose="020B0609020204030204" pitchFamily="49" charset="0"/>
+              </a:rPr>
+              <a:t>&lt;&lt;</a:t>
+            </a:r>
+            <a:r>
+              <a:rPr lang="en-US" altLang="zh-TW" b="0" dirty="0">
+                <a:solidFill>
+                  <a:srgbClr val="000000"/>
+                </a:solidFill>
+                <a:effectLst/>
+                <a:latin typeface="Consolas" panose="020B0609020204030204" pitchFamily="49" charset="0"/>
+              </a:rPr>
+              <a:t> </a:t>
+            </a:r>
+            <a:r>
+              <a:rPr lang="en-US" altLang="zh-TW" b="0" dirty="0">
+                <a:solidFill>
+                  <a:srgbClr val="A31515"/>
+                </a:solidFill>
+                <a:effectLst/>
+                <a:latin typeface="Consolas" panose="020B0609020204030204" pitchFamily="49" charset="0"/>
+              </a:rPr>
+              <a:t>"Penny?</a:t>
+            </a:r>
+            <a:r>
+              <a:rPr lang="en-US" altLang="zh-TW" b="0" dirty="0">
+                <a:solidFill>
+                  <a:srgbClr val="EE0000"/>
+                </a:solidFill>
+                <a:effectLst/>
+                <a:latin typeface="Consolas" panose="020B0609020204030204" pitchFamily="49" charset="0"/>
+              </a:rPr>
+              <a:t>\n</a:t>
+            </a:r>
+            <a:r>
+              <a:rPr lang="en-US" altLang="zh-TW" b="0" dirty="0">
+                <a:solidFill>
+                  <a:srgbClr val="A31515"/>
+                </a:solidFill>
+                <a:effectLst/>
+                <a:latin typeface="Consolas" panose="020B0609020204030204" pitchFamily="49" charset="0"/>
+              </a:rPr>
+              <a:t>"</a:t>
+            </a:r>
+            <a:r>
+              <a:rPr lang="en-US" altLang="zh-TW" b="0" dirty="0">
+                <a:solidFill>
+                  <a:srgbClr val="000000"/>
+                </a:solidFill>
+                <a:effectLst/>
+                <a:latin typeface="Consolas" panose="020B0609020204030204" pitchFamily="49" charset="0"/>
+              </a:rPr>
+              <a:t>;</a:t>
+            </a:r>
+          </a:p>
+          <a:p>
+            <a:r>
+              <a:rPr lang="en-US" altLang="zh-TW" b="0" dirty="0">
+                <a:solidFill>
+                  <a:srgbClr val="000000"/>
+                </a:solidFill>
+                <a:effectLst/>
+                <a:latin typeface="Consolas" panose="020B0609020204030204" pitchFamily="49" charset="0"/>
+              </a:rPr>
+              <a:t>    }</a:t>
+            </a:r>
+          </a:p>
+        </p:txBody>
+      </p:sp>
+      <p:pic>
+        <p:nvPicPr>
+          <p:cNvPr id="7" name="圖片 6">
+            <a:extLst>
+              <a:ext uri="{FF2B5EF4-FFF2-40B4-BE49-F238E27FC236}">
+                <a16:creationId xmlns:a16="http://schemas.microsoft.com/office/drawing/2014/main" id="{3DD25987-88FD-4F17-92F8-5AE354676C01}"/>
+              </a:ext>
+            </a:extLst>
+          </p:cNvPr>
+          <p:cNvPicPr>
+            <a:picLocks noChangeAspect="1"/>
+          </p:cNvPicPr>
+          <p:nvPr/>
+        </p:nvPicPr>
+        <p:blipFill>
+          <a:blip r:embed="rId2"/>
+          <a:stretch>
+            <a:fillRect/>
+          </a:stretch>
+        </p:blipFill>
+        <p:spPr>
+          <a:xfrm>
+            <a:off x="6195280" y="5158801"/>
+            <a:ext cx="5546502" cy="1190187"/>
+          </a:xfrm>
+          <a:prstGeom prst="rect">
+            <a:avLst/>
+          </a:prstGeom>
+          <a:ln w="19050">
+            <a:solidFill>
+              <a:srgbClr val="FF0000"/>
+            </a:solidFill>
+          </a:ln>
+        </p:spPr>
+      </p:pic>
+    </p:spTree>
+    <p:extLst>
+      <p:ext uri="{BB962C8B-B14F-4D97-AF65-F5344CB8AC3E}">
+        <p14:creationId xmlns:p14="http://schemas.microsoft.com/office/powerpoint/2010/main" val="4136788424"/>
+      </p:ext>
+    </p:extLst>
+  </p:cSld>
+  <p:clrMapOvr>
+    <a:masterClrMapping/>
+  </p:clrMapOvr>
+</p:sld>
+</file>
+
+<file path=ppt/slides/slide23.xml><?xml version="1.0" encoding="utf-8"?>
+<p:sld xmlns:a="http://schemas.openxmlformats.org/drawingml/2006/main" xmlns:r="http://schemas.openxmlformats.org/officeDocument/2006/relationships" xmlns:p="http://schemas.openxmlformats.org/presentationml/2006/main">
+  <p:cSld>
+    <p:spTree>
+      <p:nvGrpSpPr>
+        <p:cNvPr id="1" name=""/>
+        <p:cNvGrpSpPr/>
+        <p:nvPr/>
+      </p:nvGrpSpPr>
+      <p:grpSpPr>
+        <a:xfrm>
+          <a:off x="0" y="0"/>
+          <a:ext cx="0" cy="0"/>
+          <a:chOff x="0" y="0"/>
+          <a:chExt cx="0" cy="0"/>
+        </a:xfrm>
+      </p:grpSpPr>
+      <p:sp>
+        <p:nvSpPr>
+          <p:cNvPr id="2" name="標題 1">
+            <a:extLst>
+              <a:ext uri="{FF2B5EF4-FFF2-40B4-BE49-F238E27FC236}">
+                <a16:creationId xmlns:a16="http://schemas.microsoft.com/office/drawing/2014/main" id="{EB220853-00A2-4DF9-B990-B6173DC79B91}"/>
+              </a:ext>
+            </a:extLst>
+          </p:cNvPr>
+          <p:cNvSpPr>
+            <a:spLocks noGrp="1"/>
+          </p:cNvSpPr>
+          <p:nvPr>
+            <p:ph type="title"/>
+          </p:nvPr>
+        </p:nvSpPr>
+        <p:spPr/>
+        <p:txBody>
+          <a:bodyPr/>
+          <a:lstStyle/>
+          <a:p>
+            <a:r>
+              <a:rPr lang="en-US" altLang="zh-TW" b="1" dirty="0"/>
+              <a:t>break</a:t>
+            </a:r>
+            <a:r>
+              <a:rPr lang="en-US" altLang="zh-TW" dirty="0"/>
+              <a:t> and </a:t>
+            </a:r>
+            <a:r>
+              <a:rPr lang="en-US" altLang="zh-TW" b="1" dirty="0"/>
+              <a:t>continue</a:t>
+            </a:r>
+            <a:r>
+              <a:rPr lang="en-US" altLang="zh-TW" dirty="0"/>
+              <a:t> statement in Nested Loop</a:t>
+            </a:r>
+            <a:endParaRPr lang="zh-TW" altLang="en-US" dirty="0"/>
+          </a:p>
+        </p:txBody>
+      </p:sp>
+      <p:sp>
+        <p:nvSpPr>
+          <p:cNvPr id="7" name="文字方塊 6">
+            <a:extLst>
+              <a:ext uri="{FF2B5EF4-FFF2-40B4-BE49-F238E27FC236}">
+                <a16:creationId xmlns:a16="http://schemas.microsoft.com/office/drawing/2014/main" id="{589576CC-7799-4F46-999F-85D7535E7AF6}"/>
+              </a:ext>
+            </a:extLst>
+          </p:cNvPr>
+          <p:cNvSpPr txBox="1"/>
+          <p:nvPr/>
+        </p:nvSpPr>
+        <p:spPr>
+          <a:xfrm>
+            <a:off x="438325" y="1670396"/>
+            <a:ext cx="6094602" cy="4247317"/>
+          </a:xfrm>
+          <a:prstGeom prst="rect">
+            <a:avLst/>
+          </a:prstGeom>
+          <a:noFill/>
+        </p:spPr>
+        <p:txBody>
+          <a:bodyPr wrap="square">
+            <a:spAutoFit/>
+          </a:bodyPr>
+          <a:lstStyle/>
+          <a:p>
+            <a:r>
+              <a:rPr lang="en-US" altLang="zh-TW" b="0" dirty="0">
+                <a:solidFill>
+                  <a:srgbClr val="000000"/>
+                </a:solidFill>
+                <a:effectLst/>
+                <a:latin typeface="Consolas" panose="020B0609020204030204" pitchFamily="49" charset="0"/>
+              </a:rPr>
+              <a:t>    </a:t>
+            </a:r>
+            <a:r>
+              <a:rPr lang="en-US" altLang="zh-TW" b="0" dirty="0">
+                <a:solidFill>
+                  <a:srgbClr val="0000FF"/>
+                </a:solidFill>
+                <a:effectLst/>
+                <a:latin typeface="Consolas" panose="020B0609020204030204" pitchFamily="49" charset="0"/>
+              </a:rPr>
+              <a:t>bool</a:t>
+            </a:r>
+            <a:r>
+              <a:rPr lang="en-US" altLang="zh-TW" b="0" dirty="0">
+                <a:solidFill>
+                  <a:srgbClr val="000000"/>
+                </a:solidFill>
+                <a:effectLst/>
+                <a:latin typeface="Consolas" panose="020B0609020204030204" pitchFamily="49" charset="0"/>
+              </a:rPr>
+              <a:t> </a:t>
+            </a:r>
+            <a:r>
+              <a:rPr lang="en-US" altLang="zh-TW" b="0" dirty="0" err="1">
+                <a:solidFill>
+                  <a:srgbClr val="001080"/>
+                </a:solidFill>
+                <a:effectLst/>
+                <a:latin typeface="Consolas" panose="020B0609020204030204" pitchFamily="49" charset="0"/>
+              </a:rPr>
+              <a:t>flag_exit</a:t>
+            </a:r>
+            <a:r>
+              <a:rPr lang="en-US" altLang="zh-TW" b="0" dirty="0">
+                <a:solidFill>
+                  <a:srgbClr val="000000"/>
+                </a:solidFill>
+                <a:effectLst/>
+                <a:latin typeface="Consolas" panose="020B0609020204030204" pitchFamily="49" charset="0"/>
+              </a:rPr>
+              <a:t> = </a:t>
+            </a:r>
+            <a:r>
+              <a:rPr lang="en-US" altLang="zh-TW" b="0" dirty="0">
+                <a:solidFill>
+                  <a:srgbClr val="0000FF"/>
+                </a:solidFill>
+                <a:effectLst/>
+                <a:latin typeface="Consolas" panose="020B0609020204030204" pitchFamily="49" charset="0"/>
+              </a:rPr>
+              <a:t>false</a:t>
+            </a:r>
+            <a:r>
+              <a:rPr lang="en-US" altLang="zh-TW" b="0" dirty="0">
+                <a:solidFill>
+                  <a:srgbClr val="000000"/>
+                </a:solidFill>
+                <a:effectLst/>
+                <a:latin typeface="Consolas" panose="020B0609020204030204" pitchFamily="49" charset="0"/>
+              </a:rPr>
+              <a:t>;</a:t>
+            </a:r>
+          </a:p>
+          <a:p>
+            <a:r>
+              <a:rPr lang="en-US" altLang="zh-TW" b="0" dirty="0">
+                <a:solidFill>
+                  <a:srgbClr val="000000"/>
+                </a:solidFill>
+                <a:effectLst/>
+                <a:latin typeface="Consolas" panose="020B0609020204030204" pitchFamily="49" charset="0"/>
+              </a:rPr>
+              <a:t>    </a:t>
+            </a:r>
+            <a:r>
+              <a:rPr lang="en-US" altLang="zh-TW" b="0" dirty="0">
+                <a:solidFill>
+                  <a:srgbClr val="0000FF"/>
+                </a:solidFill>
+                <a:effectLst/>
+                <a:latin typeface="Consolas" panose="020B0609020204030204" pitchFamily="49" charset="0"/>
+              </a:rPr>
+              <a:t>int</a:t>
+            </a:r>
+            <a:r>
+              <a:rPr lang="en-US" altLang="zh-TW" b="0" dirty="0">
+                <a:solidFill>
+                  <a:srgbClr val="000000"/>
+                </a:solidFill>
+                <a:effectLst/>
+                <a:latin typeface="Consolas" panose="020B0609020204030204" pitchFamily="49" charset="0"/>
+              </a:rPr>
+              <a:t> </a:t>
+            </a:r>
+            <a:r>
+              <a:rPr lang="en-US" altLang="zh-TW" b="0" dirty="0">
+                <a:solidFill>
+                  <a:srgbClr val="001080"/>
+                </a:solidFill>
+                <a:effectLst/>
+                <a:latin typeface="Consolas" panose="020B0609020204030204" pitchFamily="49" charset="0"/>
+              </a:rPr>
+              <a:t>ii</a:t>
+            </a:r>
+            <a:r>
+              <a:rPr lang="en-US" altLang="zh-TW" b="0" dirty="0">
+                <a:solidFill>
+                  <a:srgbClr val="000000"/>
+                </a:solidFill>
+                <a:effectLst/>
+                <a:latin typeface="Consolas" panose="020B0609020204030204" pitchFamily="49" charset="0"/>
+              </a:rPr>
+              <a:t> = </a:t>
+            </a:r>
+            <a:r>
+              <a:rPr lang="en-US" altLang="zh-TW" b="0" dirty="0">
+                <a:solidFill>
+                  <a:srgbClr val="098658"/>
+                </a:solidFill>
+                <a:effectLst/>
+                <a:latin typeface="Consolas" panose="020B0609020204030204" pitchFamily="49" charset="0"/>
+              </a:rPr>
+              <a:t>1</a:t>
+            </a:r>
+            <a:r>
+              <a:rPr lang="en-US" altLang="zh-TW" b="0" dirty="0">
+                <a:solidFill>
+                  <a:srgbClr val="000000"/>
+                </a:solidFill>
+                <a:effectLst/>
+                <a:latin typeface="Consolas" panose="020B0609020204030204" pitchFamily="49" charset="0"/>
+              </a:rPr>
+              <a:t>;</a:t>
+            </a:r>
+          </a:p>
+          <a:p>
+            <a:r>
+              <a:rPr lang="en-US" altLang="zh-TW" b="0" dirty="0">
+                <a:solidFill>
+                  <a:srgbClr val="000000"/>
+                </a:solidFill>
+                <a:effectLst/>
+                <a:latin typeface="Consolas" panose="020B0609020204030204" pitchFamily="49" charset="0"/>
+              </a:rPr>
+              <a:t>    </a:t>
+            </a:r>
+            <a:r>
+              <a:rPr lang="en-US" altLang="zh-TW" b="0" dirty="0">
+                <a:solidFill>
+                  <a:srgbClr val="AF00DB"/>
+                </a:solidFill>
+                <a:effectLst/>
+                <a:latin typeface="Consolas" panose="020B0609020204030204" pitchFamily="49" charset="0"/>
+              </a:rPr>
+              <a:t>while</a:t>
+            </a:r>
+            <a:r>
+              <a:rPr lang="en-US" altLang="zh-TW" b="0" dirty="0">
+                <a:solidFill>
+                  <a:srgbClr val="000000"/>
+                </a:solidFill>
+                <a:effectLst/>
+                <a:latin typeface="Consolas" panose="020B0609020204030204" pitchFamily="49" charset="0"/>
+              </a:rPr>
+              <a:t> (</a:t>
+            </a:r>
+            <a:r>
+              <a:rPr lang="en-US" altLang="zh-TW" b="0" dirty="0">
+                <a:solidFill>
+                  <a:srgbClr val="0000FF"/>
+                </a:solidFill>
+                <a:effectLst/>
+                <a:latin typeface="Consolas" panose="020B0609020204030204" pitchFamily="49" charset="0"/>
+              </a:rPr>
+              <a:t>true</a:t>
+            </a:r>
+            <a:r>
+              <a:rPr lang="en-US" altLang="zh-TW" b="0" dirty="0">
+                <a:solidFill>
+                  <a:srgbClr val="000000"/>
+                </a:solidFill>
+                <a:effectLst/>
+                <a:latin typeface="Consolas" panose="020B0609020204030204" pitchFamily="49" charset="0"/>
+              </a:rPr>
+              <a:t>)</a:t>
+            </a:r>
+          </a:p>
+          <a:p>
+            <a:r>
+              <a:rPr lang="en-US" altLang="zh-TW" b="0" dirty="0">
+                <a:solidFill>
+                  <a:srgbClr val="000000"/>
+                </a:solidFill>
+                <a:effectLst/>
+                <a:latin typeface="Consolas" panose="020B0609020204030204" pitchFamily="49" charset="0"/>
+              </a:rPr>
+              <a:t>    {</a:t>
+            </a:r>
+          </a:p>
+          <a:p>
+            <a:br>
+              <a:rPr lang="en-US" altLang="zh-TW" b="0" dirty="0">
+                <a:solidFill>
+                  <a:srgbClr val="000000"/>
+                </a:solidFill>
+                <a:effectLst/>
+                <a:latin typeface="Consolas" panose="020B0609020204030204" pitchFamily="49" charset="0"/>
+              </a:rPr>
+            </a:br>
+            <a:r>
+              <a:rPr lang="en-US" altLang="zh-TW" b="0" dirty="0">
+                <a:solidFill>
+                  <a:srgbClr val="000000"/>
+                </a:solidFill>
+                <a:effectLst/>
+                <a:latin typeface="Consolas" panose="020B0609020204030204" pitchFamily="49" charset="0"/>
+              </a:rPr>
+              <a:t>        </a:t>
+            </a:r>
+            <a:r>
+              <a:rPr lang="en-US" altLang="zh-TW" b="0" dirty="0">
+                <a:solidFill>
+                  <a:srgbClr val="AF00DB"/>
+                </a:solidFill>
+                <a:effectLst/>
+                <a:latin typeface="Consolas" panose="020B0609020204030204" pitchFamily="49" charset="0"/>
+              </a:rPr>
+              <a:t>if</a:t>
+            </a:r>
+            <a:r>
+              <a:rPr lang="en-US" altLang="zh-TW" b="0" dirty="0">
+                <a:solidFill>
+                  <a:srgbClr val="000000"/>
+                </a:solidFill>
+                <a:effectLst/>
+                <a:latin typeface="Consolas" panose="020B0609020204030204" pitchFamily="49" charset="0"/>
+              </a:rPr>
+              <a:t>(</a:t>
+            </a:r>
+            <a:r>
+              <a:rPr lang="en-US" altLang="zh-TW" b="0" dirty="0" err="1">
+                <a:solidFill>
+                  <a:srgbClr val="001080"/>
+                </a:solidFill>
+                <a:effectLst/>
+                <a:latin typeface="Consolas" panose="020B0609020204030204" pitchFamily="49" charset="0"/>
+              </a:rPr>
+              <a:t>flag_exit</a:t>
+            </a:r>
+            <a:r>
+              <a:rPr lang="en-US" altLang="zh-TW" b="0" dirty="0">
+                <a:solidFill>
+                  <a:srgbClr val="000000"/>
+                </a:solidFill>
+                <a:effectLst/>
+                <a:latin typeface="Consolas" panose="020B0609020204030204" pitchFamily="49" charset="0"/>
+              </a:rPr>
+              <a:t>)</a:t>
+            </a:r>
+          </a:p>
+          <a:p>
+            <a:r>
+              <a:rPr lang="en-US" altLang="zh-TW" b="0" dirty="0">
+                <a:solidFill>
+                  <a:srgbClr val="000000"/>
+                </a:solidFill>
+                <a:effectLst/>
+                <a:latin typeface="Consolas" panose="020B0609020204030204" pitchFamily="49" charset="0"/>
+              </a:rPr>
+              <a:t>        {</a:t>
+            </a:r>
+          </a:p>
+          <a:p>
+            <a:r>
+              <a:rPr lang="en-US" altLang="zh-TW" b="0" dirty="0">
+                <a:solidFill>
+                  <a:srgbClr val="000000"/>
+                </a:solidFill>
+                <a:effectLst/>
+                <a:latin typeface="Consolas" panose="020B0609020204030204" pitchFamily="49" charset="0"/>
+              </a:rPr>
+              <a:t>            </a:t>
+            </a:r>
+            <a:r>
+              <a:rPr lang="en-US" altLang="zh-TW" b="0" dirty="0">
+                <a:solidFill>
+                  <a:srgbClr val="AF00DB"/>
+                </a:solidFill>
+                <a:effectLst/>
+                <a:latin typeface="Consolas" panose="020B0609020204030204" pitchFamily="49" charset="0"/>
+              </a:rPr>
+              <a:t>break</a:t>
+            </a:r>
+            <a:r>
+              <a:rPr lang="en-US" altLang="zh-TW" b="0" dirty="0">
+                <a:solidFill>
+                  <a:srgbClr val="000000"/>
+                </a:solidFill>
+                <a:effectLst/>
+                <a:latin typeface="Consolas" panose="020B0609020204030204" pitchFamily="49" charset="0"/>
+              </a:rPr>
+              <a:t>;</a:t>
+            </a:r>
+          </a:p>
+          <a:p>
+            <a:r>
+              <a:rPr lang="en-US" altLang="zh-TW" b="0" dirty="0">
+                <a:solidFill>
+                  <a:srgbClr val="000000"/>
+                </a:solidFill>
+                <a:effectLst/>
+                <a:latin typeface="Consolas" panose="020B0609020204030204" pitchFamily="49" charset="0"/>
+              </a:rPr>
+              <a:t>        }</a:t>
+            </a:r>
+          </a:p>
+          <a:p>
+            <a:br>
+              <a:rPr lang="en-US" altLang="zh-TW" b="0" dirty="0">
+                <a:solidFill>
+                  <a:srgbClr val="000000"/>
+                </a:solidFill>
+                <a:effectLst/>
+                <a:latin typeface="Consolas" panose="020B0609020204030204" pitchFamily="49" charset="0"/>
+              </a:rPr>
+            </a:br>
+            <a:r>
+              <a:rPr lang="en-US" altLang="zh-TW" b="0" dirty="0">
+                <a:solidFill>
+                  <a:srgbClr val="008000"/>
+                </a:solidFill>
+                <a:effectLst/>
+                <a:latin typeface="Consolas" panose="020B0609020204030204" pitchFamily="49" charset="0"/>
+              </a:rPr>
+              <a:t>        /* inner loop statement */</a:t>
+            </a:r>
+            <a:endParaRPr lang="en-US" altLang="zh-TW" b="0" dirty="0">
+              <a:solidFill>
+                <a:srgbClr val="000000"/>
+              </a:solidFill>
+              <a:effectLst/>
+              <a:latin typeface="Consolas" panose="020B0609020204030204" pitchFamily="49" charset="0"/>
+            </a:endParaRPr>
+          </a:p>
+          <a:p>
+            <a:br>
+              <a:rPr lang="en-US" altLang="zh-TW" b="0" dirty="0">
+                <a:solidFill>
+                  <a:srgbClr val="000000"/>
+                </a:solidFill>
+                <a:effectLst/>
+                <a:latin typeface="Consolas" panose="020B0609020204030204" pitchFamily="49" charset="0"/>
+              </a:rPr>
+            </a:br>
+            <a:r>
+              <a:rPr lang="en-US" altLang="zh-TW" b="0" dirty="0">
+                <a:solidFill>
+                  <a:srgbClr val="000000"/>
+                </a:solidFill>
+                <a:effectLst/>
+                <a:latin typeface="Consolas" panose="020B0609020204030204" pitchFamily="49" charset="0"/>
+              </a:rPr>
+              <a:t>        </a:t>
+            </a:r>
+            <a:r>
+              <a:rPr lang="en-US" altLang="zh-TW" b="0" dirty="0">
+                <a:solidFill>
+                  <a:srgbClr val="267F99"/>
+                </a:solidFill>
+                <a:effectLst/>
+                <a:latin typeface="Consolas" panose="020B0609020204030204" pitchFamily="49" charset="0"/>
+              </a:rPr>
+              <a:t>std</a:t>
+            </a:r>
+            <a:r>
+              <a:rPr lang="en-US" altLang="zh-TW" b="0" dirty="0">
+                <a:solidFill>
+                  <a:srgbClr val="000000"/>
+                </a:solidFill>
+                <a:effectLst/>
+                <a:latin typeface="Consolas" panose="020B0609020204030204" pitchFamily="49" charset="0"/>
+              </a:rPr>
+              <a:t>::</a:t>
+            </a:r>
+            <a:r>
+              <a:rPr lang="en-US" altLang="zh-TW" b="0" dirty="0" err="1">
+                <a:solidFill>
+                  <a:srgbClr val="001080"/>
+                </a:solidFill>
+                <a:effectLst/>
+                <a:latin typeface="Consolas" panose="020B0609020204030204" pitchFamily="49" charset="0"/>
+              </a:rPr>
+              <a:t>cout</a:t>
+            </a:r>
+            <a:r>
+              <a:rPr lang="en-US" altLang="zh-TW" b="0" dirty="0">
+                <a:solidFill>
+                  <a:srgbClr val="000000"/>
+                </a:solidFill>
+                <a:effectLst/>
+                <a:latin typeface="Consolas" panose="020B0609020204030204" pitchFamily="49" charset="0"/>
+              </a:rPr>
+              <a:t> </a:t>
+            </a:r>
+            <a:r>
+              <a:rPr lang="en-US" altLang="zh-TW" b="0" dirty="0">
+                <a:solidFill>
+                  <a:srgbClr val="795E26"/>
+                </a:solidFill>
+                <a:effectLst/>
+                <a:latin typeface="Consolas" panose="020B0609020204030204" pitchFamily="49" charset="0"/>
+              </a:rPr>
+              <a:t>&lt;&lt;</a:t>
+            </a:r>
+            <a:r>
+              <a:rPr lang="en-US" altLang="zh-TW" b="0" dirty="0">
+                <a:solidFill>
+                  <a:srgbClr val="000000"/>
+                </a:solidFill>
+                <a:effectLst/>
+                <a:latin typeface="Consolas" panose="020B0609020204030204" pitchFamily="49" charset="0"/>
+              </a:rPr>
+              <a:t> </a:t>
+            </a:r>
+            <a:r>
+              <a:rPr lang="en-US" altLang="zh-TW" b="0" dirty="0">
+                <a:solidFill>
+                  <a:srgbClr val="A31515"/>
+                </a:solidFill>
+                <a:effectLst/>
+                <a:latin typeface="Consolas" panose="020B0609020204030204" pitchFamily="49" charset="0"/>
+              </a:rPr>
+              <a:t>"exited inner loop</a:t>
+            </a:r>
+            <a:r>
+              <a:rPr lang="en-US" altLang="zh-TW" b="0" dirty="0">
+                <a:solidFill>
+                  <a:srgbClr val="EE0000"/>
+                </a:solidFill>
+                <a:effectLst/>
+                <a:latin typeface="Consolas" panose="020B0609020204030204" pitchFamily="49" charset="0"/>
+              </a:rPr>
+              <a:t>\n</a:t>
+            </a:r>
+            <a:r>
+              <a:rPr lang="en-US" altLang="zh-TW" b="0" dirty="0">
+                <a:solidFill>
+                  <a:srgbClr val="A31515"/>
+                </a:solidFill>
+                <a:effectLst/>
+                <a:latin typeface="Consolas" panose="020B0609020204030204" pitchFamily="49" charset="0"/>
+              </a:rPr>
+              <a:t>"</a:t>
+            </a:r>
+            <a:r>
+              <a:rPr lang="en-US" altLang="zh-TW" b="0" dirty="0">
+                <a:solidFill>
+                  <a:srgbClr val="000000"/>
+                </a:solidFill>
+                <a:effectLst/>
+                <a:latin typeface="Consolas" panose="020B0609020204030204" pitchFamily="49" charset="0"/>
+              </a:rPr>
+              <a:t>;</a:t>
+            </a:r>
+          </a:p>
+          <a:p>
+            <a:r>
+              <a:rPr lang="en-US" altLang="zh-TW" b="0" dirty="0">
+                <a:solidFill>
+                  <a:srgbClr val="000000"/>
+                </a:solidFill>
+                <a:effectLst/>
+                <a:latin typeface="Consolas" panose="020B0609020204030204" pitchFamily="49" charset="0"/>
+              </a:rPr>
+              <a:t>        </a:t>
+            </a:r>
+            <a:r>
+              <a:rPr lang="en-US" altLang="zh-TW" b="0" dirty="0">
+                <a:solidFill>
+                  <a:srgbClr val="001080"/>
+                </a:solidFill>
+                <a:effectLst/>
+                <a:latin typeface="Consolas" panose="020B0609020204030204" pitchFamily="49" charset="0"/>
+              </a:rPr>
+              <a:t>ii</a:t>
+            </a:r>
+            <a:r>
+              <a:rPr lang="en-US" altLang="zh-TW" b="0" dirty="0">
+                <a:solidFill>
+                  <a:srgbClr val="000000"/>
+                </a:solidFill>
+                <a:effectLst/>
+                <a:latin typeface="Consolas" panose="020B0609020204030204" pitchFamily="49" charset="0"/>
+              </a:rPr>
+              <a:t> = </a:t>
+            </a:r>
+            <a:r>
+              <a:rPr lang="en-US" altLang="zh-TW" b="0" dirty="0">
+                <a:solidFill>
+                  <a:srgbClr val="001080"/>
+                </a:solidFill>
+                <a:effectLst/>
+                <a:latin typeface="Consolas" panose="020B0609020204030204" pitchFamily="49" charset="0"/>
+              </a:rPr>
+              <a:t>ii</a:t>
+            </a:r>
+            <a:r>
+              <a:rPr lang="en-US" altLang="zh-TW" b="0" dirty="0">
+                <a:solidFill>
+                  <a:srgbClr val="000000"/>
+                </a:solidFill>
+                <a:effectLst/>
+                <a:latin typeface="Consolas" panose="020B0609020204030204" pitchFamily="49" charset="0"/>
+              </a:rPr>
+              <a:t> + </a:t>
+            </a:r>
+            <a:r>
+              <a:rPr lang="en-US" altLang="zh-TW" b="0" dirty="0">
+                <a:solidFill>
+                  <a:srgbClr val="098658"/>
+                </a:solidFill>
+                <a:effectLst/>
+                <a:latin typeface="Consolas" panose="020B0609020204030204" pitchFamily="49" charset="0"/>
+              </a:rPr>
+              <a:t>1</a:t>
+            </a:r>
+            <a:r>
+              <a:rPr lang="en-US" altLang="zh-TW" b="0" dirty="0">
+                <a:solidFill>
+                  <a:srgbClr val="000000"/>
+                </a:solidFill>
+                <a:effectLst/>
+                <a:latin typeface="Consolas" panose="020B0609020204030204" pitchFamily="49" charset="0"/>
+              </a:rPr>
+              <a:t>;</a:t>
+            </a:r>
+          </a:p>
+          <a:p>
+            <a:r>
+              <a:rPr lang="en-US" altLang="zh-TW" b="0" dirty="0">
+                <a:solidFill>
+                  <a:srgbClr val="000000"/>
+                </a:solidFill>
+                <a:effectLst/>
+                <a:latin typeface="Consolas" panose="020B0609020204030204" pitchFamily="49" charset="0"/>
+              </a:rPr>
+              <a:t>    }</a:t>
+            </a:r>
+          </a:p>
+        </p:txBody>
+      </p:sp>
+      <p:sp>
+        <p:nvSpPr>
+          <p:cNvPr id="11" name="文字方塊 10">
+            <a:extLst>
+              <a:ext uri="{FF2B5EF4-FFF2-40B4-BE49-F238E27FC236}">
+                <a16:creationId xmlns:a16="http://schemas.microsoft.com/office/drawing/2014/main" id="{A12B1098-7605-48A2-90AA-6F15BE17CCD7}"/>
+              </a:ext>
+            </a:extLst>
+          </p:cNvPr>
+          <p:cNvSpPr txBox="1"/>
+          <p:nvPr/>
+        </p:nvSpPr>
+        <p:spPr>
+          <a:xfrm>
+            <a:off x="5854816" y="1355502"/>
+            <a:ext cx="6094602" cy="5078313"/>
+          </a:xfrm>
+          <a:prstGeom prst="rect">
+            <a:avLst/>
+          </a:prstGeom>
+          <a:noFill/>
+        </p:spPr>
+        <p:txBody>
+          <a:bodyPr wrap="square">
+            <a:spAutoFit/>
+          </a:bodyPr>
+          <a:lstStyle/>
+          <a:p>
+            <a:r>
+              <a:rPr lang="en-US" altLang="zh-TW" b="0" dirty="0">
+                <a:solidFill>
+                  <a:srgbClr val="008000"/>
+                </a:solidFill>
+                <a:effectLst/>
+                <a:latin typeface="Consolas" panose="020B0609020204030204" pitchFamily="49" charset="0"/>
+              </a:rPr>
+              <a:t>        /*inner loop statement*/</a:t>
+            </a:r>
+            <a:endParaRPr lang="en-US" altLang="zh-TW" b="0" dirty="0">
+              <a:solidFill>
+                <a:srgbClr val="000000"/>
+              </a:solidFill>
+              <a:effectLst/>
+              <a:latin typeface="Consolas" panose="020B0609020204030204" pitchFamily="49" charset="0"/>
+            </a:endParaRPr>
+          </a:p>
+          <a:p>
+            <a:r>
+              <a:rPr lang="en-US" altLang="zh-TW" b="0" dirty="0">
+                <a:solidFill>
+                  <a:srgbClr val="000000"/>
+                </a:solidFill>
+                <a:effectLst/>
+                <a:latin typeface="Consolas" panose="020B0609020204030204" pitchFamily="49" charset="0"/>
+              </a:rPr>
+              <a:t>        </a:t>
+            </a:r>
+            <a:r>
+              <a:rPr lang="en-US" altLang="zh-TW" b="0" dirty="0">
+                <a:solidFill>
+                  <a:srgbClr val="0000FF"/>
+                </a:solidFill>
+                <a:effectLst/>
+                <a:latin typeface="Consolas" panose="020B0609020204030204" pitchFamily="49" charset="0"/>
+              </a:rPr>
+              <a:t>int</a:t>
+            </a:r>
+            <a:r>
+              <a:rPr lang="en-US" altLang="zh-TW" b="0" dirty="0">
+                <a:solidFill>
+                  <a:srgbClr val="000000"/>
+                </a:solidFill>
+                <a:effectLst/>
+                <a:latin typeface="Consolas" panose="020B0609020204030204" pitchFamily="49" charset="0"/>
+              </a:rPr>
+              <a:t> </a:t>
+            </a:r>
+            <a:r>
+              <a:rPr lang="en-US" altLang="zh-TW" b="0" dirty="0" err="1">
+                <a:solidFill>
+                  <a:srgbClr val="001080"/>
+                </a:solidFill>
+                <a:effectLst/>
+                <a:latin typeface="Consolas" panose="020B0609020204030204" pitchFamily="49" charset="0"/>
+              </a:rPr>
+              <a:t>jj</a:t>
+            </a:r>
+            <a:r>
+              <a:rPr lang="en-US" altLang="zh-TW" b="0" dirty="0">
+                <a:solidFill>
+                  <a:srgbClr val="000000"/>
+                </a:solidFill>
+                <a:effectLst/>
+                <a:latin typeface="Consolas" panose="020B0609020204030204" pitchFamily="49" charset="0"/>
+              </a:rPr>
+              <a:t> = </a:t>
+            </a:r>
+            <a:r>
+              <a:rPr lang="en-US" altLang="zh-TW" b="0" dirty="0">
+                <a:solidFill>
+                  <a:srgbClr val="098658"/>
+                </a:solidFill>
+                <a:effectLst/>
+                <a:latin typeface="Consolas" panose="020B0609020204030204" pitchFamily="49" charset="0"/>
+              </a:rPr>
+              <a:t>1</a:t>
+            </a:r>
+            <a:r>
+              <a:rPr lang="en-US" altLang="zh-TW" b="0" dirty="0">
+                <a:solidFill>
+                  <a:srgbClr val="000000"/>
+                </a:solidFill>
+                <a:effectLst/>
+                <a:latin typeface="Consolas" panose="020B0609020204030204" pitchFamily="49" charset="0"/>
+              </a:rPr>
+              <a:t>;</a:t>
+            </a:r>
+          </a:p>
+          <a:p>
+            <a:r>
+              <a:rPr lang="en-US" altLang="zh-TW" b="0" dirty="0">
+                <a:solidFill>
+                  <a:srgbClr val="000000"/>
+                </a:solidFill>
+                <a:effectLst/>
+                <a:latin typeface="Consolas" panose="020B0609020204030204" pitchFamily="49" charset="0"/>
+              </a:rPr>
+              <a:t>        </a:t>
+            </a:r>
+            <a:r>
+              <a:rPr lang="en-US" altLang="zh-TW" b="0" dirty="0">
+                <a:solidFill>
+                  <a:srgbClr val="AF00DB"/>
+                </a:solidFill>
+                <a:effectLst/>
+                <a:latin typeface="Consolas" panose="020B0609020204030204" pitchFamily="49" charset="0"/>
+              </a:rPr>
+              <a:t>while</a:t>
+            </a:r>
+            <a:r>
+              <a:rPr lang="en-US" altLang="zh-TW" b="0" dirty="0">
+                <a:solidFill>
+                  <a:srgbClr val="000000"/>
+                </a:solidFill>
+                <a:effectLst/>
+                <a:latin typeface="Consolas" panose="020B0609020204030204" pitchFamily="49" charset="0"/>
+              </a:rPr>
+              <a:t> (</a:t>
+            </a:r>
+            <a:r>
+              <a:rPr lang="en-US" altLang="zh-TW" b="0" dirty="0">
+                <a:solidFill>
+                  <a:srgbClr val="0000FF"/>
+                </a:solidFill>
+                <a:effectLst/>
+                <a:latin typeface="Consolas" panose="020B0609020204030204" pitchFamily="49" charset="0"/>
+              </a:rPr>
+              <a:t>true</a:t>
+            </a:r>
+            <a:r>
+              <a:rPr lang="en-US" altLang="zh-TW" b="0" dirty="0">
+                <a:solidFill>
+                  <a:srgbClr val="000000"/>
+                </a:solidFill>
+                <a:effectLst/>
+                <a:latin typeface="Consolas" panose="020B0609020204030204" pitchFamily="49" charset="0"/>
+              </a:rPr>
+              <a:t>)</a:t>
+            </a:r>
+          </a:p>
+          <a:p>
+            <a:r>
+              <a:rPr lang="en-US" altLang="zh-TW" b="0" dirty="0">
+                <a:solidFill>
+                  <a:srgbClr val="000000"/>
+                </a:solidFill>
+                <a:effectLst/>
+                <a:latin typeface="Consolas" panose="020B0609020204030204" pitchFamily="49" charset="0"/>
+              </a:rPr>
+              <a:t>        {</a:t>
+            </a:r>
+          </a:p>
+          <a:p>
+            <a:r>
+              <a:rPr lang="en-US" altLang="zh-TW" b="0" dirty="0">
+                <a:solidFill>
+                  <a:srgbClr val="000000"/>
+                </a:solidFill>
+                <a:effectLst/>
+                <a:latin typeface="Consolas" panose="020B0609020204030204" pitchFamily="49" charset="0"/>
+              </a:rPr>
+              <a:t>            </a:t>
+            </a:r>
+            <a:r>
+              <a:rPr lang="en-US" altLang="zh-TW" b="0" dirty="0">
+                <a:solidFill>
+                  <a:srgbClr val="AF00DB"/>
+                </a:solidFill>
+                <a:effectLst/>
+                <a:latin typeface="Consolas" panose="020B0609020204030204" pitchFamily="49" charset="0"/>
+              </a:rPr>
+              <a:t>if</a:t>
+            </a:r>
+            <a:r>
+              <a:rPr lang="en-US" altLang="zh-TW" b="0" dirty="0">
+                <a:solidFill>
+                  <a:srgbClr val="000000"/>
+                </a:solidFill>
+                <a:effectLst/>
+                <a:latin typeface="Consolas" panose="020B0609020204030204" pitchFamily="49" charset="0"/>
+              </a:rPr>
+              <a:t>(</a:t>
+            </a:r>
+            <a:r>
+              <a:rPr lang="en-US" altLang="zh-TW" b="0" dirty="0" err="1">
+                <a:solidFill>
+                  <a:srgbClr val="001080"/>
+                </a:solidFill>
+                <a:effectLst/>
+                <a:latin typeface="Consolas" panose="020B0609020204030204" pitchFamily="49" charset="0"/>
+              </a:rPr>
+              <a:t>jj</a:t>
+            </a:r>
+            <a:r>
+              <a:rPr lang="en-US" altLang="zh-TW" b="0" dirty="0">
+                <a:solidFill>
+                  <a:srgbClr val="000000"/>
+                </a:solidFill>
+                <a:effectLst/>
+                <a:latin typeface="Consolas" panose="020B0609020204030204" pitchFamily="49" charset="0"/>
+              </a:rPr>
+              <a:t> &gt;  </a:t>
+            </a:r>
+            <a:r>
+              <a:rPr lang="en-US" altLang="zh-TW" b="0" dirty="0">
+                <a:solidFill>
+                  <a:srgbClr val="098658"/>
+                </a:solidFill>
+                <a:effectLst/>
+                <a:latin typeface="Consolas" panose="020B0609020204030204" pitchFamily="49" charset="0"/>
+              </a:rPr>
+              <a:t>5</a:t>
+            </a:r>
+            <a:r>
+              <a:rPr lang="en-US" altLang="zh-TW" b="0" dirty="0">
+                <a:solidFill>
+                  <a:srgbClr val="000000"/>
+                </a:solidFill>
+                <a:effectLst/>
+                <a:latin typeface="Consolas" panose="020B0609020204030204" pitchFamily="49" charset="0"/>
+              </a:rPr>
+              <a:t>)</a:t>
+            </a:r>
+          </a:p>
+          <a:p>
+            <a:r>
+              <a:rPr lang="en-US" altLang="zh-TW" b="0" dirty="0">
+                <a:solidFill>
+                  <a:srgbClr val="000000"/>
+                </a:solidFill>
+                <a:effectLst/>
+                <a:latin typeface="Consolas" panose="020B0609020204030204" pitchFamily="49" charset="0"/>
+              </a:rPr>
+              <a:t>            {</a:t>
+            </a:r>
+          </a:p>
+          <a:p>
+            <a:r>
+              <a:rPr lang="en-US" altLang="zh-TW" b="0" dirty="0">
+                <a:solidFill>
+                  <a:srgbClr val="000000"/>
+                </a:solidFill>
+                <a:effectLst/>
+                <a:latin typeface="Consolas" panose="020B0609020204030204" pitchFamily="49" charset="0"/>
+              </a:rPr>
+              <a:t>                </a:t>
+            </a:r>
+            <a:r>
+              <a:rPr lang="en-US" altLang="zh-TW" b="0" dirty="0">
+                <a:solidFill>
+                  <a:srgbClr val="AF00DB"/>
+                </a:solidFill>
+                <a:effectLst/>
+                <a:latin typeface="Consolas" panose="020B0609020204030204" pitchFamily="49" charset="0"/>
+              </a:rPr>
+              <a:t>if</a:t>
+            </a:r>
+            <a:r>
+              <a:rPr lang="en-US" altLang="zh-TW" b="0" dirty="0">
+                <a:solidFill>
+                  <a:srgbClr val="000000"/>
+                </a:solidFill>
+                <a:effectLst/>
+                <a:latin typeface="Consolas" panose="020B0609020204030204" pitchFamily="49" charset="0"/>
+              </a:rPr>
+              <a:t>(</a:t>
+            </a:r>
+            <a:r>
+              <a:rPr lang="en-US" altLang="zh-TW" b="0" dirty="0">
+                <a:solidFill>
+                  <a:srgbClr val="001080"/>
+                </a:solidFill>
+                <a:effectLst/>
+                <a:latin typeface="Consolas" panose="020B0609020204030204" pitchFamily="49" charset="0"/>
+              </a:rPr>
+              <a:t>ii</a:t>
+            </a:r>
+            <a:r>
+              <a:rPr lang="en-US" altLang="zh-TW" b="0" dirty="0">
+                <a:solidFill>
+                  <a:srgbClr val="000000"/>
+                </a:solidFill>
+                <a:effectLst/>
+                <a:latin typeface="Consolas" panose="020B0609020204030204" pitchFamily="49" charset="0"/>
+              </a:rPr>
+              <a:t> &gt; </a:t>
+            </a:r>
+            <a:r>
+              <a:rPr lang="en-US" altLang="zh-TW" b="0" dirty="0">
+                <a:solidFill>
+                  <a:srgbClr val="098658"/>
+                </a:solidFill>
+                <a:effectLst/>
+                <a:latin typeface="Consolas" panose="020B0609020204030204" pitchFamily="49" charset="0"/>
+              </a:rPr>
+              <a:t>3</a:t>
+            </a:r>
+            <a:r>
+              <a:rPr lang="en-US" altLang="zh-TW" b="0" dirty="0">
+                <a:solidFill>
+                  <a:srgbClr val="000000"/>
+                </a:solidFill>
+                <a:effectLst/>
+                <a:latin typeface="Consolas" panose="020B0609020204030204" pitchFamily="49" charset="0"/>
+              </a:rPr>
+              <a:t>)</a:t>
+            </a:r>
+          </a:p>
+          <a:p>
+            <a:r>
+              <a:rPr lang="en-US" altLang="zh-TW" b="0" dirty="0">
+                <a:solidFill>
+                  <a:srgbClr val="000000"/>
+                </a:solidFill>
+                <a:effectLst/>
+                <a:latin typeface="Consolas" panose="020B0609020204030204" pitchFamily="49" charset="0"/>
+              </a:rPr>
+              <a:t>                    {</a:t>
+            </a:r>
+            <a:r>
+              <a:rPr lang="en-US" altLang="zh-TW" b="0" dirty="0" err="1">
+                <a:solidFill>
+                  <a:srgbClr val="001080"/>
+                </a:solidFill>
+                <a:effectLst/>
+                <a:latin typeface="Consolas" panose="020B0609020204030204" pitchFamily="49" charset="0"/>
+              </a:rPr>
+              <a:t>flag_exit</a:t>
+            </a:r>
+            <a:r>
+              <a:rPr lang="en-US" altLang="zh-TW" b="0" dirty="0">
+                <a:solidFill>
+                  <a:srgbClr val="000000"/>
+                </a:solidFill>
+                <a:effectLst/>
+                <a:latin typeface="Consolas" panose="020B0609020204030204" pitchFamily="49" charset="0"/>
+              </a:rPr>
+              <a:t> = </a:t>
+            </a:r>
+            <a:r>
+              <a:rPr lang="en-US" altLang="zh-TW" b="0" dirty="0">
+                <a:solidFill>
+                  <a:srgbClr val="0000FF"/>
+                </a:solidFill>
+                <a:effectLst/>
+                <a:latin typeface="Consolas" panose="020B0609020204030204" pitchFamily="49" charset="0"/>
+              </a:rPr>
+              <a:t>true</a:t>
+            </a:r>
+            <a:r>
+              <a:rPr lang="en-US" altLang="zh-TW" b="0" dirty="0">
+                <a:solidFill>
+                  <a:srgbClr val="000000"/>
+                </a:solidFill>
+                <a:effectLst/>
+                <a:latin typeface="Consolas" panose="020B0609020204030204" pitchFamily="49" charset="0"/>
+              </a:rPr>
+              <a:t>;}</a:t>
+            </a:r>
+            <a:br>
+              <a:rPr lang="en-US" altLang="zh-TW" b="0" dirty="0">
+                <a:solidFill>
+                  <a:srgbClr val="000000"/>
+                </a:solidFill>
+                <a:effectLst/>
+                <a:latin typeface="Consolas" panose="020B0609020204030204" pitchFamily="49" charset="0"/>
+              </a:rPr>
+            </a:br>
+            <a:r>
+              <a:rPr lang="en-US" altLang="zh-TW" b="0" dirty="0">
+                <a:solidFill>
+                  <a:srgbClr val="000000"/>
+                </a:solidFill>
+                <a:effectLst/>
+                <a:latin typeface="Consolas" panose="020B0609020204030204" pitchFamily="49" charset="0"/>
+              </a:rPr>
+              <a:t>                </a:t>
+            </a:r>
+            <a:r>
+              <a:rPr lang="en-US" altLang="zh-TW" b="0" dirty="0">
+                <a:solidFill>
+                  <a:srgbClr val="AF00DB"/>
+                </a:solidFill>
+                <a:effectLst/>
+                <a:latin typeface="Consolas" panose="020B0609020204030204" pitchFamily="49" charset="0"/>
+              </a:rPr>
+              <a:t>break</a:t>
+            </a:r>
+            <a:r>
+              <a:rPr lang="en-US" altLang="zh-TW" b="0" dirty="0">
+                <a:solidFill>
+                  <a:srgbClr val="000000"/>
+                </a:solidFill>
+                <a:effectLst/>
+                <a:latin typeface="Consolas" panose="020B0609020204030204" pitchFamily="49" charset="0"/>
+              </a:rPr>
+              <a:t>;</a:t>
+            </a:r>
+          </a:p>
+          <a:p>
+            <a:r>
+              <a:rPr lang="en-US" altLang="zh-TW" b="0" dirty="0">
+                <a:solidFill>
+                  <a:srgbClr val="000000"/>
+                </a:solidFill>
+                <a:effectLst/>
+                <a:latin typeface="Consolas" panose="020B0609020204030204" pitchFamily="49" charset="0"/>
+              </a:rPr>
+              <a:t>            }</a:t>
+            </a:r>
+            <a:br>
+              <a:rPr lang="en-US" altLang="zh-TW" b="0" dirty="0">
+                <a:solidFill>
+                  <a:srgbClr val="000000"/>
+                </a:solidFill>
+                <a:effectLst/>
+                <a:latin typeface="Consolas" panose="020B0609020204030204" pitchFamily="49" charset="0"/>
+              </a:rPr>
+            </a:br>
+            <a:r>
+              <a:rPr lang="en-US" altLang="zh-TW" b="0" dirty="0">
+                <a:solidFill>
+                  <a:srgbClr val="000000"/>
+                </a:solidFill>
+                <a:effectLst/>
+                <a:latin typeface="Consolas" panose="020B0609020204030204" pitchFamily="49" charset="0"/>
+              </a:rPr>
+              <a:t>            </a:t>
+            </a:r>
+            <a:r>
+              <a:rPr lang="en-US" altLang="zh-TW" b="0" dirty="0">
+                <a:solidFill>
+                  <a:srgbClr val="AF00DB"/>
+                </a:solidFill>
+                <a:effectLst/>
+                <a:latin typeface="Consolas" panose="020B0609020204030204" pitchFamily="49" charset="0"/>
+              </a:rPr>
+              <a:t>if</a:t>
+            </a:r>
+            <a:r>
+              <a:rPr lang="en-US" altLang="zh-TW" b="0" dirty="0">
+                <a:solidFill>
+                  <a:srgbClr val="000000"/>
+                </a:solidFill>
+                <a:effectLst/>
+                <a:latin typeface="Consolas" panose="020B0609020204030204" pitchFamily="49" charset="0"/>
+              </a:rPr>
+              <a:t>(</a:t>
+            </a:r>
+            <a:r>
+              <a:rPr lang="en-US" altLang="zh-TW" b="0" dirty="0" err="1">
+                <a:solidFill>
+                  <a:srgbClr val="001080"/>
+                </a:solidFill>
+                <a:effectLst/>
+                <a:latin typeface="Consolas" panose="020B0609020204030204" pitchFamily="49" charset="0"/>
+              </a:rPr>
+              <a:t>jj</a:t>
+            </a:r>
+            <a:r>
+              <a:rPr lang="en-US" altLang="zh-TW" b="0" dirty="0">
+                <a:solidFill>
+                  <a:srgbClr val="000000"/>
+                </a:solidFill>
+                <a:effectLst/>
+                <a:latin typeface="Consolas" panose="020B0609020204030204" pitchFamily="49" charset="0"/>
+              </a:rPr>
+              <a:t> % </a:t>
+            </a:r>
+            <a:r>
+              <a:rPr lang="en-US" altLang="zh-TW" b="0" dirty="0">
+                <a:solidFill>
+                  <a:srgbClr val="098658"/>
+                </a:solidFill>
+                <a:effectLst/>
+                <a:latin typeface="Consolas" panose="020B0609020204030204" pitchFamily="49" charset="0"/>
+              </a:rPr>
+              <a:t>2</a:t>
+            </a:r>
+            <a:r>
+              <a:rPr lang="en-US" altLang="zh-TW" b="0" dirty="0">
+                <a:solidFill>
+                  <a:srgbClr val="000000"/>
+                </a:solidFill>
+                <a:effectLst/>
+                <a:latin typeface="Consolas" panose="020B0609020204030204" pitchFamily="49" charset="0"/>
+              </a:rPr>
+              <a:t> == </a:t>
+            </a:r>
+            <a:r>
+              <a:rPr lang="en-US" altLang="zh-TW" b="0" dirty="0">
+                <a:solidFill>
+                  <a:srgbClr val="098658"/>
+                </a:solidFill>
+                <a:effectLst/>
+                <a:latin typeface="Consolas" panose="020B0609020204030204" pitchFamily="49" charset="0"/>
+              </a:rPr>
+              <a:t>0</a:t>
+            </a:r>
+            <a:r>
+              <a:rPr lang="en-US" altLang="zh-TW" b="0" dirty="0">
+                <a:solidFill>
+                  <a:srgbClr val="000000"/>
+                </a:solidFill>
+                <a:effectLst/>
+                <a:latin typeface="Consolas" panose="020B0609020204030204" pitchFamily="49" charset="0"/>
+              </a:rPr>
+              <a:t>)</a:t>
+            </a:r>
+          </a:p>
+          <a:p>
+            <a:r>
+              <a:rPr lang="en-US" altLang="zh-TW" b="0" dirty="0">
+                <a:solidFill>
+                  <a:srgbClr val="000000"/>
+                </a:solidFill>
+                <a:effectLst/>
+                <a:latin typeface="Consolas" panose="020B0609020204030204" pitchFamily="49" charset="0"/>
+              </a:rPr>
+              <a:t>            {</a:t>
+            </a:r>
+          </a:p>
+          <a:p>
+            <a:r>
+              <a:rPr lang="en-US" altLang="zh-TW" b="0" dirty="0">
+                <a:solidFill>
+                  <a:srgbClr val="000000"/>
+                </a:solidFill>
+                <a:effectLst/>
+                <a:latin typeface="Consolas" panose="020B0609020204030204" pitchFamily="49" charset="0"/>
+              </a:rPr>
+              <a:t>                </a:t>
+            </a:r>
+            <a:r>
+              <a:rPr lang="en-US" altLang="zh-TW" b="0" dirty="0" err="1">
+                <a:solidFill>
+                  <a:srgbClr val="001080"/>
+                </a:solidFill>
+                <a:effectLst/>
+                <a:latin typeface="Consolas" panose="020B0609020204030204" pitchFamily="49" charset="0"/>
+              </a:rPr>
+              <a:t>jj</a:t>
+            </a:r>
+            <a:r>
+              <a:rPr lang="en-US" altLang="zh-TW" b="0" dirty="0">
+                <a:solidFill>
+                  <a:srgbClr val="000000"/>
+                </a:solidFill>
+                <a:effectLst/>
+                <a:latin typeface="Consolas" panose="020B0609020204030204" pitchFamily="49" charset="0"/>
+              </a:rPr>
+              <a:t> = </a:t>
+            </a:r>
+            <a:r>
+              <a:rPr lang="en-US" altLang="zh-TW" b="0" dirty="0" err="1">
+                <a:solidFill>
+                  <a:srgbClr val="001080"/>
+                </a:solidFill>
+                <a:effectLst/>
+                <a:latin typeface="Consolas" panose="020B0609020204030204" pitchFamily="49" charset="0"/>
+              </a:rPr>
+              <a:t>jj</a:t>
+            </a:r>
+            <a:r>
+              <a:rPr lang="en-US" altLang="zh-TW" b="0" dirty="0">
+                <a:solidFill>
+                  <a:srgbClr val="000000"/>
+                </a:solidFill>
+                <a:effectLst/>
+                <a:latin typeface="Consolas" panose="020B0609020204030204" pitchFamily="49" charset="0"/>
+              </a:rPr>
+              <a:t> + </a:t>
+            </a:r>
+            <a:r>
+              <a:rPr lang="en-US" altLang="zh-TW" b="0" dirty="0">
+                <a:solidFill>
+                  <a:srgbClr val="098658"/>
+                </a:solidFill>
+                <a:effectLst/>
+                <a:latin typeface="Consolas" panose="020B0609020204030204" pitchFamily="49" charset="0"/>
+              </a:rPr>
+              <a:t>1</a:t>
+            </a:r>
+            <a:r>
+              <a:rPr lang="en-US" altLang="zh-TW" b="0" dirty="0">
+                <a:solidFill>
+                  <a:srgbClr val="000000"/>
+                </a:solidFill>
+                <a:effectLst/>
+                <a:latin typeface="Consolas" panose="020B0609020204030204" pitchFamily="49" charset="0"/>
+              </a:rPr>
+              <a:t>;</a:t>
+            </a:r>
+          </a:p>
+          <a:p>
+            <a:r>
+              <a:rPr lang="en-US" altLang="zh-TW" b="0" dirty="0">
+                <a:solidFill>
+                  <a:srgbClr val="000000"/>
+                </a:solidFill>
+                <a:effectLst/>
+                <a:latin typeface="Consolas" panose="020B0609020204030204" pitchFamily="49" charset="0"/>
+              </a:rPr>
+              <a:t>                </a:t>
+            </a:r>
+            <a:r>
+              <a:rPr lang="en-US" altLang="zh-TW" b="0" dirty="0">
+                <a:solidFill>
+                  <a:srgbClr val="AF00DB"/>
+                </a:solidFill>
+                <a:effectLst/>
+                <a:latin typeface="Consolas" panose="020B0609020204030204" pitchFamily="49" charset="0"/>
+              </a:rPr>
+              <a:t>continue</a:t>
+            </a:r>
+            <a:r>
+              <a:rPr lang="en-US" altLang="zh-TW" b="0" dirty="0">
+                <a:solidFill>
+                  <a:srgbClr val="000000"/>
+                </a:solidFill>
+                <a:effectLst/>
+                <a:latin typeface="Consolas" panose="020B0609020204030204" pitchFamily="49" charset="0"/>
+              </a:rPr>
+              <a:t>;</a:t>
+            </a:r>
+          </a:p>
+          <a:p>
+            <a:r>
+              <a:rPr lang="en-US" altLang="zh-TW" b="0" dirty="0">
+                <a:solidFill>
+                  <a:srgbClr val="000000"/>
+                </a:solidFill>
+                <a:effectLst/>
+                <a:latin typeface="Consolas" panose="020B0609020204030204" pitchFamily="49" charset="0"/>
+              </a:rPr>
+              <a:t>            }</a:t>
+            </a:r>
+            <a:br>
+              <a:rPr lang="en-US" altLang="zh-TW" b="0" dirty="0">
+                <a:solidFill>
+                  <a:srgbClr val="000000"/>
+                </a:solidFill>
+                <a:effectLst/>
+                <a:latin typeface="Consolas" panose="020B0609020204030204" pitchFamily="49" charset="0"/>
+              </a:rPr>
+            </a:br>
+            <a:r>
+              <a:rPr lang="en-US" altLang="zh-TW" b="0" dirty="0">
+                <a:solidFill>
+                  <a:srgbClr val="000000"/>
+                </a:solidFill>
+                <a:effectLst/>
+                <a:latin typeface="Consolas" panose="020B0609020204030204" pitchFamily="49" charset="0"/>
+              </a:rPr>
+              <a:t>            </a:t>
+            </a:r>
+            <a:r>
+              <a:rPr lang="en-US" altLang="zh-TW" dirty="0">
+                <a:solidFill>
+                  <a:srgbClr val="008000"/>
+                </a:solidFill>
+                <a:latin typeface="Consolas" panose="020B0609020204030204" pitchFamily="49" charset="0"/>
+              </a:rPr>
+              <a:t>/* do something... */</a:t>
+            </a:r>
+            <a:endParaRPr lang="en-US" altLang="zh-TW" b="0" dirty="0">
+              <a:solidFill>
+                <a:srgbClr val="000000"/>
+              </a:solidFill>
+              <a:effectLst/>
+              <a:latin typeface="Consolas" panose="020B0609020204030204" pitchFamily="49" charset="0"/>
+            </a:endParaRPr>
+          </a:p>
+          <a:p>
+            <a:r>
+              <a:rPr lang="en-US" altLang="zh-TW" b="0" dirty="0">
+                <a:solidFill>
+                  <a:srgbClr val="000000"/>
+                </a:solidFill>
+                <a:effectLst/>
+                <a:latin typeface="Consolas" panose="020B0609020204030204" pitchFamily="49" charset="0"/>
+              </a:rPr>
+              <a:t>            </a:t>
+            </a:r>
+            <a:r>
+              <a:rPr lang="en-US" altLang="zh-TW" b="0" dirty="0" err="1">
+                <a:solidFill>
+                  <a:srgbClr val="001080"/>
+                </a:solidFill>
+                <a:effectLst/>
+                <a:latin typeface="Consolas" panose="020B0609020204030204" pitchFamily="49" charset="0"/>
+              </a:rPr>
+              <a:t>jj</a:t>
+            </a:r>
+            <a:r>
+              <a:rPr lang="en-US" altLang="zh-TW" b="0" dirty="0">
+                <a:solidFill>
+                  <a:srgbClr val="000000"/>
+                </a:solidFill>
+                <a:effectLst/>
+                <a:latin typeface="Consolas" panose="020B0609020204030204" pitchFamily="49" charset="0"/>
+              </a:rPr>
+              <a:t> = </a:t>
+            </a:r>
+            <a:r>
+              <a:rPr lang="en-US" altLang="zh-TW" b="0" dirty="0" err="1">
+                <a:solidFill>
+                  <a:srgbClr val="001080"/>
+                </a:solidFill>
+                <a:effectLst/>
+                <a:latin typeface="Consolas" panose="020B0609020204030204" pitchFamily="49" charset="0"/>
+              </a:rPr>
+              <a:t>jj</a:t>
+            </a:r>
+            <a:r>
+              <a:rPr lang="en-US" altLang="zh-TW" b="0" dirty="0">
+                <a:solidFill>
+                  <a:srgbClr val="000000"/>
+                </a:solidFill>
+                <a:effectLst/>
+                <a:latin typeface="Consolas" panose="020B0609020204030204" pitchFamily="49" charset="0"/>
+              </a:rPr>
+              <a:t> + </a:t>
+            </a:r>
+            <a:r>
+              <a:rPr lang="en-US" altLang="zh-TW" b="0" dirty="0">
+                <a:solidFill>
+                  <a:srgbClr val="098658"/>
+                </a:solidFill>
+                <a:effectLst/>
+                <a:latin typeface="Consolas" panose="020B0609020204030204" pitchFamily="49" charset="0"/>
+              </a:rPr>
+              <a:t>1</a:t>
+            </a:r>
+            <a:r>
+              <a:rPr lang="en-US" altLang="zh-TW" b="0" dirty="0">
+                <a:solidFill>
+                  <a:srgbClr val="000000"/>
+                </a:solidFill>
+                <a:effectLst/>
+                <a:latin typeface="Consolas" panose="020B0609020204030204" pitchFamily="49" charset="0"/>
+              </a:rPr>
+              <a:t>;</a:t>
+            </a:r>
+          </a:p>
+          <a:p>
+            <a:r>
+              <a:rPr lang="en-US" altLang="zh-TW" b="0" dirty="0">
+                <a:solidFill>
+                  <a:srgbClr val="000000"/>
+                </a:solidFill>
+                <a:effectLst/>
+                <a:latin typeface="Consolas" panose="020B0609020204030204" pitchFamily="49" charset="0"/>
+              </a:rPr>
+              <a:t>        }</a:t>
+            </a:r>
+          </a:p>
+        </p:txBody>
+      </p:sp>
+    </p:spTree>
+    <p:extLst>
+      <p:ext uri="{BB962C8B-B14F-4D97-AF65-F5344CB8AC3E}">
+        <p14:creationId xmlns:p14="http://schemas.microsoft.com/office/powerpoint/2010/main" val="358731884"/>
+      </p:ext>
+    </p:extLst>
+  </p:cSld>
+  <p:clrMapOvr>
+    <a:masterClrMapping/>
+  </p:clrMapOvr>
+</p:sld>
+</file>
+
+<file path=ppt/slides/slide24.xml><?xml version="1.0" encoding="utf-8"?>
+<p:sld xmlns:a="http://schemas.openxmlformats.org/drawingml/2006/main" xmlns:r="http://schemas.openxmlformats.org/officeDocument/2006/relationships" xmlns:p="http://schemas.openxmlformats.org/presentationml/2006/main">
+  <p:cSld>
+    <p:spTree>
+      <p:nvGrpSpPr>
+        <p:cNvPr id="1" name=""/>
+        <p:cNvGrpSpPr/>
+        <p:nvPr/>
+      </p:nvGrpSpPr>
+      <p:grpSpPr>
+        <a:xfrm>
+          <a:off x="0" y="0"/>
+          <a:ext cx="0" cy="0"/>
+          <a:chOff x="0" y="0"/>
+          <a:chExt cx="0" cy="0"/>
+        </a:xfrm>
+      </p:grpSpPr>
+      <p:sp>
+        <p:nvSpPr>
+          <p:cNvPr id="2" name="標題 1">
+            <a:extLst>
+              <a:ext uri="{FF2B5EF4-FFF2-40B4-BE49-F238E27FC236}">
+                <a16:creationId xmlns:a16="http://schemas.microsoft.com/office/drawing/2014/main" id="{12BDF410-BFF2-49D1-BE43-C16E52C2396C}"/>
+              </a:ext>
+            </a:extLst>
+          </p:cNvPr>
+          <p:cNvSpPr>
+            <a:spLocks noGrp="1"/>
+          </p:cNvSpPr>
+          <p:nvPr>
+            <p:ph type="title"/>
+          </p:nvPr>
+        </p:nvSpPr>
+        <p:spPr/>
+        <p:txBody>
+          <a:bodyPr/>
+          <a:lstStyle/>
+          <a:p>
+            <a:r>
+              <a:rPr lang="en-US" altLang="zh-TW" b="1" dirty="0" err="1"/>
+              <a:t>cin</a:t>
+            </a:r>
+            <a:r>
+              <a:rPr lang="en-US" altLang="zh-TW" dirty="0"/>
+              <a:t> in Loop Condition</a:t>
+            </a:r>
+            <a:endParaRPr lang="zh-TW" altLang="en-US" dirty="0"/>
+          </a:p>
+        </p:txBody>
+      </p:sp>
+      <p:sp>
+        <p:nvSpPr>
+          <p:cNvPr id="5" name="文字方塊 4">
+            <a:extLst>
+              <a:ext uri="{FF2B5EF4-FFF2-40B4-BE49-F238E27FC236}">
+                <a16:creationId xmlns:a16="http://schemas.microsoft.com/office/drawing/2014/main" id="{E82128C2-D0E1-4348-8DBD-8CF81F6E6CB7}"/>
+              </a:ext>
+            </a:extLst>
+          </p:cNvPr>
+          <p:cNvSpPr txBox="1"/>
+          <p:nvPr/>
+        </p:nvSpPr>
+        <p:spPr>
+          <a:xfrm>
+            <a:off x="564160" y="1690688"/>
+            <a:ext cx="9007678" cy="3139321"/>
+          </a:xfrm>
+          <a:prstGeom prst="rect">
+            <a:avLst/>
+          </a:prstGeom>
+          <a:noFill/>
+        </p:spPr>
+        <p:txBody>
+          <a:bodyPr wrap="square">
+            <a:spAutoFit/>
+          </a:bodyPr>
+          <a:lstStyle/>
+          <a:p>
+            <a:r>
+              <a:rPr lang="en-US" altLang="zh-TW" b="0" dirty="0">
+                <a:solidFill>
+                  <a:srgbClr val="000000"/>
+                </a:solidFill>
+                <a:effectLst/>
+                <a:latin typeface="Consolas" panose="020B0609020204030204" pitchFamily="49" charset="0"/>
+              </a:rPr>
+              <a:t>    </a:t>
+            </a:r>
+            <a:r>
+              <a:rPr lang="en-US" altLang="zh-TW" b="0" dirty="0">
+                <a:solidFill>
+                  <a:srgbClr val="0000FF"/>
+                </a:solidFill>
+                <a:effectLst/>
+                <a:latin typeface="Consolas" panose="020B0609020204030204" pitchFamily="49" charset="0"/>
+              </a:rPr>
+              <a:t>char</a:t>
+            </a:r>
+            <a:r>
+              <a:rPr lang="en-US" altLang="zh-TW" b="0" dirty="0">
+                <a:solidFill>
+                  <a:srgbClr val="000000"/>
+                </a:solidFill>
+                <a:effectLst/>
+                <a:latin typeface="Consolas" panose="020B0609020204030204" pitchFamily="49" charset="0"/>
+              </a:rPr>
+              <a:t> </a:t>
+            </a:r>
+            <a:r>
+              <a:rPr lang="en-US" altLang="zh-TW" b="0" dirty="0">
+                <a:solidFill>
+                  <a:srgbClr val="001080"/>
+                </a:solidFill>
+                <a:effectLst/>
+                <a:latin typeface="Consolas" panose="020B0609020204030204" pitchFamily="49" charset="0"/>
+              </a:rPr>
+              <a:t>a</a:t>
+            </a:r>
+            <a:r>
+              <a:rPr lang="en-US" altLang="zh-TW" b="0" dirty="0">
+                <a:solidFill>
+                  <a:srgbClr val="000000"/>
+                </a:solidFill>
+                <a:effectLst/>
+                <a:latin typeface="Consolas" panose="020B0609020204030204" pitchFamily="49" charset="0"/>
+              </a:rPr>
+              <a:t>;</a:t>
+            </a:r>
+          </a:p>
+          <a:p>
+            <a:r>
+              <a:rPr lang="en-US" altLang="zh-TW" b="0" dirty="0">
+                <a:solidFill>
+                  <a:srgbClr val="000000"/>
+                </a:solidFill>
+                <a:effectLst/>
+                <a:latin typeface="Consolas" panose="020B0609020204030204" pitchFamily="49" charset="0"/>
+              </a:rPr>
+              <a:t>    </a:t>
+            </a:r>
+            <a:r>
+              <a:rPr lang="en-US" altLang="zh-TW" b="0" dirty="0">
+                <a:solidFill>
+                  <a:srgbClr val="AF00DB"/>
+                </a:solidFill>
+                <a:effectLst/>
+                <a:latin typeface="Consolas" panose="020B0609020204030204" pitchFamily="49" charset="0"/>
+              </a:rPr>
+              <a:t>while</a:t>
+            </a:r>
+            <a:r>
+              <a:rPr lang="en-US" altLang="zh-TW" b="0" dirty="0">
+                <a:solidFill>
+                  <a:srgbClr val="000000"/>
+                </a:solidFill>
+                <a:effectLst/>
+                <a:latin typeface="Consolas" panose="020B0609020204030204" pitchFamily="49" charset="0"/>
+              </a:rPr>
+              <a:t>(</a:t>
+            </a:r>
+            <a:r>
+              <a:rPr lang="en-US" altLang="zh-TW" b="0" dirty="0">
+                <a:solidFill>
+                  <a:srgbClr val="267F99"/>
+                </a:solidFill>
+                <a:effectLst/>
+                <a:latin typeface="Consolas" panose="020B0609020204030204" pitchFamily="49" charset="0"/>
+              </a:rPr>
+              <a:t>std</a:t>
+            </a:r>
+            <a:r>
+              <a:rPr lang="en-US" altLang="zh-TW" b="0" dirty="0">
+                <a:solidFill>
+                  <a:srgbClr val="000000"/>
+                </a:solidFill>
+                <a:effectLst/>
+                <a:latin typeface="Consolas" panose="020B0609020204030204" pitchFamily="49" charset="0"/>
+              </a:rPr>
+              <a:t>::</a:t>
+            </a:r>
+            <a:r>
+              <a:rPr lang="en-US" altLang="zh-TW" b="0" dirty="0" err="1">
+                <a:solidFill>
+                  <a:srgbClr val="001080"/>
+                </a:solidFill>
+                <a:effectLst/>
+                <a:latin typeface="Consolas" panose="020B0609020204030204" pitchFamily="49" charset="0"/>
+              </a:rPr>
+              <a:t>cin</a:t>
+            </a:r>
+            <a:r>
+              <a:rPr lang="en-US" altLang="zh-TW" b="0" dirty="0">
+                <a:solidFill>
+                  <a:srgbClr val="000000"/>
+                </a:solidFill>
+                <a:effectLst/>
+                <a:latin typeface="Consolas" panose="020B0609020204030204" pitchFamily="49" charset="0"/>
+              </a:rPr>
+              <a:t> </a:t>
+            </a:r>
+            <a:r>
+              <a:rPr lang="en-US" altLang="zh-TW" b="0" dirty="0">
+                <a:solidFill>
+                  <a:srgbClr val="795E26"/>
+                </a:solidFill>
+                <a:effectLst/>
+                <a:latin typeface="Consolas" panose="020B0609020204030204" pitchFamily="49" charset="0"/>
+              </a:rPr>
+              <a:t>&gt;&gt;</a:t>
+            </a:r>
+            <a:r>
+              <a:rPr lang="en-US" altLang="zh-TW" b="0" dirty="0">
+                <a:solidFill>
+                  <a:srgbClr val="000000"/>
+                </a:solidFill>
+                <a:effectLst/>
+                <a:latin typeface="Consolas" panose="020B0609020204030204" pitchFamily="49" charset="0"/>
+              </a:rPr>
+              <a:t> </a:t>
+            </a:r>
+            <a:r>
+              <a:rPr lang="en-US" altLang="zh-TW" b="0" dirty="0">
+                <a:solidFill>
+                  <a:srgbClr val="001080"/>
+                </a:solidFill>
+                <a:effectLst/>
+                <a:latin typeface="Consolas" panose="020B0609020204030204" pitchFamily="49" charset="0"/>
+              </a:rPr>
+              <a:t>a</a:t>
+            </a:r>
+            <a:r>
+              <a:rPr lang="en-US" altLang="zh-TW" b="0" dirty="0">
+                <a:solidFill>
+                  <a:srgbClr val="000000"/>
+                </a:solidFill>
+                <a:effectLst/>
+                <a:latin typeface="Consolas" panose="020B0609020204030204" pitchFamily="49" charset="0"/>
+              </a:rPr>
+              <a:t>)</a:t>
+            </a:r>
+          </a:p>
+          <a:p>
+            <a:r>
+              <a:rPr lang="en-US" altLang="zh-TW" b="0" dirty="0">
+                <a:solidFill>
+                  <a:srgbClr val="000000"/>
+                </a:solidFill>
+                <a:effectLst/>
+                <a:latin typeface="Consolas" panose="020B0609020204030204" pitchFamily="49" charset="0"/>
+              </a:rPr>
+              <a:t>    {</a:t>
+            </a:r>
+          </a:p>
+          <a:p>
+            <a:r>
+              <a:rPr lang="en-US" altLang="zh-TW" b="0" dirty="0">
+                <a:solidFill>
+                  <a:srgbClr val="000000"/>
+                </a:solidFill>
+                <a:effectLst/>
+                <a:latin typeface="Consolas" panose="020B0609020204030204" pitchFamily="49" charset="0"/>
+              </a:rPr>
+              <a:t>        </a:t>
+            </a:r>
+            <a:r>
+              <a:rPr lang="en-US" altLang="zh-TW" b="0" dirty="0">
+                <a:solidFill>
+                  <a:srgbClr val="267F99"/>
+                </a:solidFill>
+                <a:effectLst/>
+                <a:latin typeface="Consolas" panose="020B0609020204030204" pitchFamily="49" charset="0"/>
+              </a:rPr>
+              <a:t>std</a:t>
+            </a:r>
+            <a:r>
+              <a:rPr lang="en-US" altLang="zh-TW" b="0" dirty="0">
+                <a:solidFill>
+                  <a:srgbClr val="000000"/>
+                </a:solidFill>
+                <a:effectLst/>
+                <a:latin typeface="Consolas" panose="020B0609020204030204" pitchFamily="49" charset="0"/>
+              </a:rPr>
+              <a:t>::</a:t>
+            </a:r>
+            <a:r>
+              <a:rPr lang="en-US" altLang="zh-TW" b="0" dirty="0" err="1">
+                <a:solidFill>
+                  <a:srgbClr val="001080"/>
+                </a:solidFill>
+                <a:effectLst/>
+                <a:latin typeface="Consolas" panose="020B0609020204030204" pitchFamily="49" charset="0"/>
+              </a:rPr>
+              <a:t>cout</a:t>
+            </a:r>
+            <a:r>
+              <a:rPr lang="en-US" altLang="zh-TW" b="0" dirty="0">
+                <a:solidFill>
+                  <a:srgbClr val="000000"/>
+                </a:solidFill>
+                <a:effectLst/>
+                <a:latin typeface="Consolas" panose="020B0609020204030204" pitchFamily="49" charset="0"/>
+              </a:rPr>
+              <a:t> </a:t>
+            </a:r>
+            <a:r>
+              <a:rPr lang="en-US" altLang="zh-TW" b="0" dirty="0">
+                <a:solidFill>
+                  <a:srgbClr val="795E26"/>
+                </a:solidFill>
+                <a:effectLst/>
+                <a:latin typeface="Consolas" panose="020B0609020204030204" pitchFamily="49" charset="0"/>
+              </a:rPr>
+              <a:t>&lt;&lt;</a:t>
+            </a:r>
+            <a:r>
+              <a:rPr lang="en-US" altLang="zh-TW" b="0" dirty="0">
+                <a:solidFill>
+                  <a:srgbClr val="000000"/>
+                </a:solidFill>
+                <a:effectLst/>
+                <a:latin typeface="Consolas" panose="020B0609020204030204" pitchFamily="49" charset="0"/>
+              </a:rPr>
+              <a:t> </a:t>
+            </a:r>
+            <a:r>
+              <a:rPr lang="en-US" altLang="zh-TW" b="0" dirty="0">
+                <a:solidFill>
+                  <a:srgbClr val="A31515"/>
+                </a:solidFill>
+                <a:effectLst/>
+                <a:latin typeface="Consolas" panose="020B0609020204030204" pitchFamily="49" charset="0"/>
+              </a:rPr>
+              <a:t>"char(a): "</a:t>
+            </a:r>
+            <a:r>
+              <a:rPr lang="en-US" altLang="zh-TW" b="0" dirty="0">
+                <a:solidFill>
+                  <a:srgbClr val="000000"/>
+                </a:solidFill>
+                <a:effectLst/>
+                <a:latin typeface="Consolas" panose="020B0609020204030204" pitchFamily="49" charset="0"/>
+              </a:rPr>
+              <a:t> </a:t>
+            </a:r>
+            <a:r>
+              <a:rPr lang="en-US" altLang="zh-TW" b="0" dirty="0">
+                <a:solidFill>
+                  <a:srgbClr val="795E26"/>
+                </a:solidFill>
+                <a:effectLst/>
+                <a:latin typeface="Consolas" panose="020B0609020204030204" pitchFamily="49" charset="0"/>
+              </a:rPr>
+              <a:t>&lt;&lt;</a:t>
+            </a:r>
+            <a:r>
+              <a:rPr lang="en-US" altLang="zh-TW" b="0" dirty="0">
+                <a:solidFill>
+                  <a:srgbClr val="000000"/>
+                </a:solidFill>
+                <a:effectLst/>
+                <a:latin typeface="Consolas" panose="020B0609020204030204" pitchFamily="49" charset="0"/>
+              </a:rPr>
+              <a:t> </a:t>
+            </a:r>
+            <a:r>
+              <a:rPr lang="en-US" altLang="zh-TW" b="0" dirty="0">
+                <a:solidFill>
+                  <a:srgbClr val="001080"/>
+                </a:solidFill>
+                <a:effectLst/>
+                <a:latin typeface="Consolas" panose="020B0609020204030204" pitchFamily="49" charset="0"/>
+              </a:rPr>
+              <a:t>a</a:t>
+            </a:r>
+            <a:r>
+              <a:rPr lang="en-US" altLang="zh-TW" b="0" dirty="0">
+                <a:solidFill>
+                  <a:srgbClr val="000000"/>
+                </a:solidFill>
+                <a:effectLst/>
+                <a:latin typeface="Consolas" panose="020B0609020204030204" pitchFamily="49" charset="0"/>
+              </a:rPr>
+              <a:t> </a:t>
+            </a:r>
+            <a:r>
+              <a:rPr lang="en-US" altLang="zh-TW" b="0" dirty="0">
+                <a:solidFill>
+                  <a:srgbClr val="795E26"/>
+                </a:solidFill>
+                <a:effectLst/>
+                <a:latin typeface="Consolas" panose="020B0609020204030204" pitchFamily="49" charset="0"/>
+              </a:rPr>
+              <a:t>&lt;&lt;</a:t>
+            </a:r>
+            <a:r>
+              <a:rPr lang="en-US" altLang="zh-TW" b="0" dirty="0">
+                <a:solidFill>
+                  <a:srgbClr val="000000"/>
+                </a:solidFill>
+                <a:effectLst/>
+                <a:latin typeface="Consolas" panose="020B0609020204030204" pitchFamily="49" charset="0"/>
+              </a:rPr>
+              <a:t> </a:t>
+            </a:r>
+            <a:r>
+              <a:rPr lang="en-US" altLang="zh-TW" b="0" dirty="0">
+                <a:solidFill>
+                  <a:srgbClr val="267F99"/>
+                </a:solidFill>
+                <a:effectLst/>
+                <a:latin typeface="Consolas" panose="020B0609020204030204" pitchFamily="49" charset="0"/>
+              </a:rPr>
+              <a:t>std</a:t>
+            </a:r>
+            <a:r>
+              <a:rPr lang="en-US" altLang="zh-TW" b="0" dirty="0">
+                <a:solidFill>
+                  <a:srgbClr val="000000"/>
+                </a:solidFill>
+                <a:effectLst/>
+                <a:latin typeface="Consolas" panose="020B0609020204030204" pitchFamily="49" charset="0"/>
+              </a:rPr>
+              <a:t>::</a:t>
+            </a:r>
+            <a:r>
+              <a:rPr lang="en-US" altLang="zh-TW" b="0" dirty="0" err="1">
+                <a:solidFill>
+                  <a:srgbClr val="795E26"/>
+                </a:solidFill>
+                <a:effectLst/>
+                <a:latin typeface="Consolas" panose="020B0609020204030204" pitchFamily="49" charset="0"/>
+              </a:rPr>
+              <a:t>endl</a:t>
+            </a:r>
+            <a:r>
+              <a:rPr lang="en-US" altLang="zh-TW" b="0" dirty="0">
+                <a:solidFill>
+                  <a:srgbClr val="000000"/>
+                </a:solidFill>
+                <a:effectLst/>
+                <a:latin typeface="Consolas" panose="020B0609020204030204" pitchFamily="49" charset="0"/>
+              </a:rPr>
+              <a:t>;</a:t>
+            </a:r>
+          </a:p>
+          <a:p>
+            <a:r>
+              <a:rPr lang="en-US" altLang="zh-TW" b="0" dirty="0">
+                <a:solidFill>
+                  <a:srgbClr val="000000"/>
+                </a:solidFill>
+                <a:effectLst/>
+                <a:latin typeface="Consolas" panose="020B0609020204030204" pitchFamily="49" charset="0"/>
+              </a:rPr>
+              <a:t>        </a:t>
+            </a:r>
+            <a:r>
+              <a:rPr lang="en-US" altLang="zh-TW" b="0" dirty="0">
+                <a:solidFill>
+                  <a:srgbClr val="267F99"/>
+                </a:solidFill>
+                <a:effectLst/>
+                <a:latin typeface="Consolas" panose="020B0609020204030204" pitchFamily="49" charset="0"/>
+              </a:rPr>
+              <a:t>std</a:t>
+            </a:r>
+            <a:r>
+              <a:rPr lang="en-US" altLang="zh-TW" b="0" dirty="0">
+                <a:solidFill>
+                  <a:srgbClr val="000000"/>
+                </a:solidFill>
+                <a:effectLst/>
+                <a:latin typeface="Consolas" panose="020B0609020204030204" pitchFamily="49" charset="0"/>
+              </a:rPr>
+              <a:t>::</a:t>
+            </a:r>
+            <a:r>
+              <a:rPr lang="en-US" altLang="zh-TW" b="0" dirty="0" err="1">
+                <a:solidFill>
+                  <a:srgbClr val="001080"/>
+                </a:solidFill>
+                <a:effectLst/>
+                <a:latin typeface="Consolas" panose="020B0609020204030204" pitchFamily="49" charset="0"/>
+              </a:rPr>
+              <a:t>cout</a:t>
+            </a:r>
+            <a:r>
+              <a:rPr lang="en-US" altLang="zh-TW" b="0" dirty="0">
+                <a:solidFill>
+                  <a:srgbClr val="000000"/>
+                </a:solidFill>
+                <a:effectLst/>
+                <a:latin typeface="Consolas" panose="020B0609020204030204" pitchFamily="49" charset="0"/>
+              </a:rPr>
+              <a:t> </a:t>
+            </a:r>
+            <a:r>
+              <a:rPr lang="en-US" altLang="zh-TW" b="0" dirty="0">
+                <a:solidFill>
+                  <a:srgbClr val="795E26"/>
+                </a:solidFill>
+                <a:effectLst/>
+                <a:latin typeface="Consolas" panose="020B0609020204030204" pitchFamily="49" charset="0"/>
+              </a:rPr>
+              <a:t>&lt;&lt;</a:t>
+            </a:r>
+            <a:r>
+              <a:rPr lang="en-US" altLang="zh-TW" b="0" dirty="0">
+                <a:solidFill>
+                  <a:srgbClr val="000000"/>
+                </a:solidFill>
+                <a:effectLst/>
+                <a:latin typeface="Consolas" panose="020B0609020204030204" pitchFamily="49" charset="0"/>
+              </a:rPr>
+              <a:t> </a:t>
+            </a:r>
+            <a:r>
+              <a:rPr lang="en-US" altLang="zh-TW" b="0" dirty="0">
+                <a:solidFill>
+                  <a:srgbClr val="A31515"/>
+                </a:solidFill>
+                <a:effectLst/>
+                <a:latin typeface="Consolas" panose="020B0609020204030204" pitchFamily="49" charset="0"/>
+              </a:rPr>
+              <a:t>"int(a):  "</a:t>
+            </a:r>
+            <a:r>
+              <a:rPr lang="en-US" altLang="zh-TW" b="0" dirty="0">
+                <a:solidFill>
+                  <a:srgbClr val="000000"/>
+                </a:solidFill>
+                <a:effectLst/>
+                <a:latin typeface="Consolas" panose="020B0609020204030204" pitchFamily="49" charset="0"/>
+              </a:rPr>
+              <a:t> </a:t>
+            </a:r>
+            <a:r>
+              <a:rPr lang="en-US" altLang="zh-TW" b="0" dirty="0">
+                <a:solidFill>
+                  <a:srgbClr val="795E26"/>
+                </a:solidFill>
+                <a:effectLst/>
+                <a:latin typeface="Consolas" panose="020B0609020204030204" pitchFamily="49" charset="0"/>
+              </a:rPr>
+              <a:t>&lt;&lt;</a:t>
+            </a:r>
+            <a:r>
+              <a:rPr lang="en-US" altLang="zh-TW" b="0" dirty="0">
+                <a:solidFill>
+                  <a:srgbClr val="000000"/>
+                </a:solidFill>
+                <a:effectLst/>
+                <a:latin typeface="Consolas" panose="020B0609020204030204" pitchFamily="49" charset="0"/>
+              </a:rPr>
+              <a:t> </a:t>
+            </a:r>
+            <a:r>
+              <a:rPr lang="en-US" altLang="zh-TW" b="0" dirty="0">
+                <a:solidFill>
+                  <a:srgbClr val="0000FF"/>
+                </a:solidFill>
+                <a:effectLst/>
+                <a:latin typeface="Consolas" panose="020B0609020204030204" pitchFamily="49" charset="0"/>
+              </a:rPr>
+              <a:t>int</a:t>
+            </a:r>
+            <a:r>
+              <a:rPr lang="en-US" altLang="zh-TW" b="0" dirty="0">
+                <a:solidFill>
+                  <a:srgbClr val="000000"/>
+                </a:solidFill>
+                <a:effectLst/>
+                <a:latin typeface="Consolas" panose="020B0609020204030204" pitchFamily="49" charset="0"/>
+              </a:rPr>
+              <a:t>(</a:t>
+            </a:r>
+            <a:r>
+              <a:rPr lang="en-US" altLang="zh-TW" b="0" dirty="0">
+                <a:solidFill>
+                  <a:srgbClr val="001080"/>
+                </a:solidFill>
+                <a:effectLst/>
+                <a:latin typeface="Consolas" panose="020B0609020204030204" pitchFamily="49" charset="0"/>
+              </a:rPr>
+              <a:t>a</a:t>
+            </a:r>
+            <a:r>
+              <a:rPr lang="en-US" altLang="zh-TW" b="0" dirty="0">
+                <a:solidFill>
+                  <a:srgbClr val="000000"/>
+                </a:solidFill>
+                <a:effectLst/>
+                <a:latin typeface="Consolas" panose="020B0609020204030204" pitchFamily="49" charset="0"/>
+              </a:rPr>
+              <a:t>) </a:t>
+            </a:r>
+            <a:r>
+              <a:rPr lang="en-US" altLang="zh-TW" b="0" dirty="0">
+                <a:solidFill>
+                  <a:srgbClr val="795E26"/>
+                </a:solidFill>
+                <a:effectLst/>
+                <a:latin typeface="Consolas" panose="020B0609020204030204" pitchFamily="49" charset="0"/>
+              </a:rPr>
+              <a:t>&lt;&lt;</a:t>
+            </a:r>
+            <a:r>
+              <a:rPr lang="en-US" altLang="zh-TW" b="0" dirty="0">
+                <a:solidFill>
+                  <a:srgbClr val="000000"/>
+                </a:solidFill>
+                <a:effectLst/>
+                <a:latin typeface="Consolas" panose="020B0609020204030204" pitchFamily="49" charset="0"/>
+              </a:rPr>
+              <a:t> </a:t>
+            </a:r>
+            <a:r>
+              <a:rPr lang="en-US" altLang="zh-TW" b="0" dirty="0">
+                <a:solidFill>
+                  <a:srgbClr val="267F99"/>
+                </a:solidFill>
+                <a:effectLst/>
+                <a:latin typeface="Consolas" panose="020B0609020204030204" pitchFamily="49" charset="0"/>
+              </a:rPr>
+              <a:t>std</a:t>
+            </a:r>
+            <a:r>
+              <a:rPr lang="en-US" altLang="zh-TW" b="0" dirty="0">
+                <a:solidFill>
+                  <a:srgbClr val="000000"/>
+                </a:solidFill>
+                <a:effectLst/>
+                <a:latin typeface="Consolas" panose="020B0609020204030204" pitchFamily="49" charset="0"/>
+              </a:rPr>
+              <a:t>::</a:t>
+            </a:r>
+            <a:r>
+              <a:rPr lang="en-US" altLang="zh-TW" b="0" dirty="0" err="1">
+                <a:solidFill>
+                  <a:srgbClr val="795E26"/>
+                </a:solidFill>
+                <a:effectLst/>
+                <a:latin typeface="Consolas" panose="020B0609020204030204" pitchFamily="49" charset="0"/>
+              </a:rPr>
+              <a:t>endl</a:t>
+            </a:r>
+            <a:r>
+              <a:rPr lang="en-US" altLang="zh-TW" b="0" dirty="0">
+                <a:solidFill>
+                  <a:srgbClr val="000000"/>
+                </a:solidFill>
+                <a:effectLst/>
+                <a:latin typeface="Consolas" panose="020B0609020204030204" pitchFamily="49" charset="0"/>
+              </a:rPr>
+              <a:t>;</a:t>
+            </a:r>
+          </a:p>
+          <a:p>
+            <a:r>
+              <a:rPr lang="en-US" altLang="zh-TW" b="0" dirty="0">
+                <a:solidFill>
+                  <a:srgbClr val="000000"/>
+                </a:solidFill>
+                <a:effectLst/>
+                <a:latin typeface="Consolas" panose="020B0609020204030204" pitchFamily="49" charset="0"/>
+              </a:rPr>
+              <a:t>        </a:t>
+            </a:r>
+            <a:r>
+              <a:rPr lang="en-US" altLang="zh-TW" b="0" dirty="0">
+                <a:solidFill>
+                  <a:srgbClr val="267F99"/>
+                </a:solidFill>
+                <a:effectLst/>
+                <a:latin typeface="Consolas" panose="020B0609020204030204" pitchFamily="49" charset="0"/>
+              </a:rPr>
+              <a:t>std</a:t>
+            </a:r>
+            <a:r>
+              <a:rPr lang="en-US" altLang="zh-TW" b="0" dirty="0">
+                <a:solidFill>
+                  <a:srgbClr val="000000"/>
+                </a:solidFill>
+                <a:effectLst/>
+                <a:latin typeface="Consolas" panose="020B0609020204030204" pitchFamily="49" charset="0"/>
+              </a:rPr>
+              <a:t>::</a:t>
+            </a:r>
+            <a:r>
+              <a:rPr lang="en-US" altLang="zh-TW" b="0" dirty="0" err="1">
+                <a:solidFill>
+                  <a:srgbClr val="001080"/>
+                </a:solidFill>
+                <a:effectLst/>
+                <a:latin typeface="Consolas" panose="020B0609020204030204" pitchFamily="49" charset="0"/>
+              </a:rPr>
+              <a:t>cout</a:t>
+            </a:r>
+            <a:r>
+              <a:rPr lang="en-US" altLang="zh-TW" b="0" dirty="0">
+                <a:solidFill>
+                  <a:srgbClr val="000000"/>
+                </a:solidFill>
+                <a:effectLst/>
+                <a:latin typeface="Consolas" panose="020B0609020204030204" pitchFamily="49" charset="0"/>
+              </a:rPr>
+              <a:t> </a:t>
+            </a:r>
+            <a:r>
+              <a:rPr lang="en-US" altLang="zh-TW" b="0" dirty="0">
+                <a:solidFill>
+                  <a:srgbClr val="795E26"/>
+                </a:solidFill>
+                <a:effectLst/>
+                <a:latin typeface="Consolas" panose="020B0609020204030204" pitchFamily="49" charset="0"/>
+              </a:rPr>
+              <a:t>&lt;&lt;</a:t>
+            </a:r>
+            <a:r>
+              <a:rPr lang="en-US" altLang="zh-TW" b="0" dirty="0">
+                <a:solidFill>
+                  <a:srgbClr val="000000"/>
+                </a:solidFill>
+                <a:effectLst/>
+                <a:latin typeface="Consolas" panose="020B0609020204030204" pitchFamily="49" charset="0"/>
+              </a:rPr>
+              <a:t> </a:t>
+            </a:r>
+            <a:r>
+              <a:rPr lang="en-US" altLang="zh-TW" b="0" dirty="0">
+                <a:solidFill>
+                  <a:srgbClr val="267F99"/>
+                </a:solidFill>
+                <a:effectLst/>
+                <a:latin typeface="Consolas" panose="020B0609020204030204" pitchFamily="49" charset="0"/>
+              </a:rPr>
+              <a:t>std</a:t>
+            </a:r>
+            <a:r>
+              <a:rPr lang="en-US" altLang="zh-TW" b="0" dirty="0">
+                <a:solidFill>
+                  <a:srgbClr val="000000"/>
+                </a:solidFill>
+                <a:effectLst/>
+                <a:latin typeface="Consolas" panose="020B0609020204030204" pitchFamily="49" charset="0"/>
+              </a:rPr>
+              <a:t>::</a:t>
+            </a:r>
+            <a:r>
+              <a:rPr lang="en-US" altLang="zh-TW" b="0" dirty="0" err="1">
+                <a:solidFill>
+                  <a:srgbClr val="001080"/>
+                </a:solidFill>
+                <a:effectLst/>
+                <a:latin typeface="Consolas" panose="020B0609020204030204" pitchFamily="49" charset="0"/>
+              </a:rPr>
+              <a:t>cin</a:t>
+            </a:r>
+            <a:r>
+              <a:rPr lang="en-US" altLang="zh-TW" b="0" dirty="0" err="1">
+                <a:solidFill>
+                  <a:srgbClr val="000000"/>
+                </a:solidFill>
+                <a:effectLst/>
+                <a:latin typeface="Consolas" panose="020B0609020204030204" pitchFamily="49" charset="0"/>
+              </a:rPr>
+              <a:t>.</a:t>
+            </a:r>
+            <a:r>
+              <a:rPr lang="en-US" altLang="zh-TW" b="0" dirty="0" err="1">
+                <a:solidFill>
+                  <a:srgbClr val="795E26"/>
+                </a:solidFill>
+                <a:effectLst/>
+                <a:latin typeface="Consolas" panose="020B0609020204030204" pitchFamily="49" charset="0"/>
+              </a:rPr>
+              <a:t>fail</a:t>
+            </a:r>
+            <a:r>
+              <a:rPr lang="en-US" altLang="zh-TW" b="0" dirty="0">
+                <a:solidFill>
+                  <a:srgbClr val="000000"/>
+                </a:solidFill>
+                <a:effectLst/>
+                <a:latin typeface="Consolas" panose="020B0609020204030204" pitchFamily="49" charset="0"/>
+              </a:rPr>
+              <a:t>() </a:t>
+            </a:r>
+            <a:r>
+              <a:rPr lang="en-US" altLang="zh-TW" b="0" dirty="0">
+                <a:solidFill>
+                  <a:srgbClr val="795E26"/>
+                </a:solidFill>
+                <a:effectLst/>
+                <a:latin typeface="Consolas" panose="020B0609020204030204" pitchFamily="49" charset="0"/>
+              </a:rPr>
+              <a:t>&lt;&lt;</a:t>
+            </a:r>
+            <a:r>
+              <a:rPr lang="en-US" altLang="zh-TW" b="0" dirty="0">
+                <a:solidFill>
+                  <a:srgbClr val="000000"/>
+                </a:solidFill>
+                <a:effectLst/>
+                <a:latin typeface="Consolas" panose="020B0609020204030204" pitchFamily="49" charset="0"/>
+              </a:rPr>
+              <a:t> </a:t>
+            </a:r>
+            <a:r>
+              <a:rPr lang="en-US" altLang="zh-TW" b="0" dirty="0">
+                <a:solidFill>
+                  <a:srgbClr val="267F99"/>
+                </a:solidFill>
+                <a:effectLst/>
+                <a:latin typeface="Consolas" panose="020B0609020204030204" pitchFamily="49" charset="0"/>
+              </a:rPr>
+              <a:t>std</a:t>
+            </a:r>
+            <a:r>
+              <a:rPr lang="en-US" altLang="zh-TW" b="0" dirty="0">
+                <a:solidFill>
+                  <a:srgbClr val="000000"/>
+                </a:solidFill>
+                <a:effectLst/>
+                <a:latin typeface="Consolas" panose="020B0609020204030204" pitchFamily="49" charset="0"/>
+              </a:rPr>
+              <a:t>::</a:t>
+            </a:r>
+            <a:r>
+              <a:rPr lang="en-US" altLang="zh-TW" b="0" dirty="0" err="1">
+                <a:solidFill>
+                  <a:srgbClr val="795E26"/>
+                </a:solidFill>
+                <a:effectLst/>
+                <a:latin typeface="Consolas" panose="020B0609020204030204" pitchFamily="49" charset="0"/>
+              </a:rPr>
+              <a:t>endl</a:t>
+            </a:r>
+            <a:r>
+              <a:rPr lang="en-US" altLang="zh-TW" b="0" dirty="0">
+                <a:solidFill>
+                  <a:srgbClr val="000000"/>
+                </a:solidFill>
+                <a:effectLst/>
+                <a:latin typeface="Consolas" panose="020B0609020204030204" pitchFamily="49" charset="0"/>
+              </a:rPr>
+              <a:t>;</a:t>
+            </a:r>
+          </a:p>
+          <a:p>
+            <a:r>
+              <a:rPr lang="en-US" altLang="zh-TW" b="0" dirty="0">
+                <a:solidFill>
+                  <a:srgbClr val="000000"/>
+                </a:solidFill>
+                <a:effectLst/>
+                <a:latin typeface="Consolas" panose="020B0609020204030204" pitchFamily="49" charset="0"/>
+              </a:rPr>
+              <a:t>    }</a:t>
+            </a:r>
+          </a:p>
+          <a:p>
+            <a:r>
+              <a:rPr lang="en-US" altLang="zh-TW" b="0" dirty="0">
+                <a:solidFill>
+                  <a:srgbClr val="000000"/>
+                </a:solidFill>
+                <a:effectLst/>
+                <a:latin typeface="Consolas" panose="020B0609020204030204" pitchFamily="49" charset="0"/>
+              </a:rPr>
+              <a:t>    </a:t>
+            </a:r>
+            <a:r>
+              <a:rPr lang="en-US" altLang="zh-TW" b="0" dirty="0">
+                <a:solidFill>
+                  <a:srgbClr val="267F99"/>
+                </a:solidFill>
+                <a:effectLst/>
+                <a:latin typeface="Consolas" panose="020B0609020204030204" pitchFamily="49" charset="0"/>
+              </a:rPr>
+              <a:t>std</a:t>
+            </a:r>
+            <a:r>
+              <a:rPr lang="en-US" altLang="zh-TW" b="0" dirty="0">
+                <a:solidFill>
+                  <a:srgbClr val="000000"/>
+                </a:solidFill>
+                <a:effectLst/>
+                <a:latin typeface="Consolas" panose="020B0609020204030204" pitchFamily="49" charset="0"/>
+              </a:rPr>
+              <a:t>::</a:t>
+            </a:r>
+            <a:r>
+              <a:rPr lang="en-US" altLang="zh-TW" b="0" dirty="0" err="1">
+                <a:solidFill>
+                  <a:srgbClr val="001080"/>
+                </a:solidFill>
+                <a:effectLst/>
+                <a:latin typeface="Consolas" panose="020B0609020204030204" pitchFamily="49" charset="0"/>
+              </a:rPr>
+              <a:t>cout</a:t>
+            </a:r>
+            <a:r>
+              <a:rPr lang="en-US" altLang="zh-TW" b="0" dirty="0">
+                <a:solidFill>
+                  <a:srgbClr val="000000"/>
+                </a:solidFill>
+                <a:effectLst/>
+                <a:latin typeface="Consolas" panose="020B0609020204030204" pitchFamily="49" charset="0"/>
+              </a:rPr>
+              <a:t> </a:t>
+            </a:r>
+            <a:r>
+              <a:rPr lang="en-US" altLang="zh-TW" b="0" dirty="0">
+                <a:solidFill>
+                  <a:srgbClr val="795E26"/>
+                </a:solidFill>
+                <a:effectLst/>
+                <a:latin typeface="Consolas" panose="020B0609020204030204" pitchFamily="49" charset="0"/>
+              </a:rPr>
+              <a:t>&lt;&lt;</a:t>
+            </a:r>
+            <a:r>
+              <a:rPr lang="en-US" altLang="zh-TW" b="0" dirty="0">
+                <a:solidFill>
+                  <a:srgbClr val="000000"/>
+                </a:solidFill>
+                <a:effectLst/>
+                <a:latin typeface="Consolas" panose="020B0609020204030204" pitchFamily="49" charset="0"/>
+              </a:rPr>
+              <a:t> </a:t>
+            </a:r>
+            <a:r>
+              <a:rPr lang="en-US" altLang="zh-TW" b="0" dirty="0">
+                <a:solidFill>
+                  <a:srgbClr val="A31515"/>
+                </a:solidFill>
+                <a:effectLst/>
+                <a:latin typeface="Consolas" panose="020B0609020204030204" pitchFamily="49" charset="0"/>
+              </a:rPr>
+              <a:t>"------</a:t>
+            </a:r>
+            <a:r>
+              <a:rPr lang="en-US" altLang="zh-TW" b="0" dirty="0">
+                <a:solidFill>
+                  <a:srgbClr val="EE0000"/>
+                </a:solidFill>
+                <a:effectLst/>
+                <a:latin typeface="Consolas" panose="020B0609020204030204" pitchFamily="49" charset="0"/>
+              </a:rPr>
+              <a:t>\n</a:t>
+            </a:r>
+            <a:r>
+              <a:rPr lang="en-US" altLang="zh-TW" b="0" dirty="0">
+                <a:solidFill>
+                  <a:srgbClr val="A31515"/>
+                </a:solidFill>
+                <a:effectLst/>
+                <a:latin typeface="Consolas" panose="020B0609020204030204" pitchFamily="49" charset="0"/>
+              </a:rPr>
+              <a:t>"</a:t>
+            </a:r>
+            <a:r>
+              <a:rPr lang="en-US" altLang="zh-TW" b="0" dirty="0">
+                <a:solidFill>
+                  <a:srgbClr val="000000"/>
+                </a:solidFill>
+                <a:effectLst/>
+                <a:latin typeface="Consolas" panose="020B0609020204030204" pitchFamily="49" charset="0"/>
+              </a:rPr>
+              <a:t>;</a:t>
+            </a:r>
+          </a:p>
+          <a:p>
+            <a:r>
+              <a:rPr lang="en-US" altLang="zh-TW" b="0" dirty="0">
+                <a:solidFill>
+                  <a:srgbClr val="000000"/>
+                </a:solidFill>
+                <a:effectLst/>
+                <a:latin typeface="Consolas" panose="020B0609020204030204" pitchFamily="49" charset="0"/>
+              </a:rPr>
+              <a:t>    </a:t>
+            </a:r>
+            <a:r>
+              <a:rPr lang="en-US" altLang="zh-TW" b="0" dirty="0">
+                <a:solidFill>
+                  <a:srgbClr val="267F99"/>
+                </a:solidFill>
+                <a:effectLst/>
+                <a:latin typeface="Consolas" panose="020B0609020204030204" pitchFamily="49" charset="0"/>
+              </a:rPr>
+              <a:t>std</a:t>
+            </a:r>
+            <a:r>
+              <a:rPr lang="en-US" altLang="zh-TW" b="0" dirty="0">
+                <a:solidFill>
+                  <a:srgbClr val="000000"/>
+                </a:solidFill>
+                <a:effectLst/>
+                <a:latin typeface="Consolas" panose="020B0609020204030204" pitchFamily="49" charset="0"/>
+              </a:rPr>
+              <a:t>::</a:t>
+            </a:r>
+            <a:r>
+              <a:rPr lang="en-US" altLang="zh-TW" b="0" dirty="0" err="1">
+                <a:solidFill>
+                  <a:srgbClr val="001080"/>
+                </a:solidFill>
+                <a:effectLst/>
+                <a:latin typeface="Consolas" panose="020B0609020204030204" pitchFamily="49" charset="0"/>
+              </a:rPr>
+              <a:t>cout</a:t>
+            </a:r>
+            <a:r>
+              <a:rPr lang="en-US" altLang="zh-TW" b="0" dirty="0">
+                <a:solidFill>
+                  <a:srgbClr val="000000"/>
+                </a:solidFill>
+                <a:effectLst/>
+                <a:latin typeface="Consolas" panose="020B0609020204030204" pitchFamily="49" charset="0"/>
+              </a:rPr>
+              <a:t> </a:t>
+            </a:r>
+            <a:r>
+              <a:rPr lang="en-US" altLang="zh-TW" b="0" dirty="0">
+                <a:solidFill>
+                  <a:srgbClr val="795E26"/>
+                </a:solidFill>
+                <a:effectLst/>
+                <a:latin typeface="Consolas" panose="020B0609020204030204" pitchFamily="49" charset="0"/>
+              </a:rPr>
+              <a:t>&lt;&lt;</a:t>
+            </a:r>
+            <a:r>
+              <a:rPr lang="en-US" altLang="zh-TW" b="0" dirty="0">
+                <a:solidFill>
+                  <a:srgbClr val="000000"/>
+                </a:solidFill>
+                <a:effectLst/>
+                <a:latin typeface="Consolas" panose="020B0609020204030204" pitchFamily="49" charset="0"/>
+              </a:rPr>
+              <a:t> </a:t>
+            </a:r>
+            <a:r>
+              <a:rPr lang="en-US" altLang="zh-TW" b="0" dirty="0">
+                <a:solidFill>
+                  <a:srgbClr val="A31515"/>
+                </a:solidFill>
+                <a:effectLst/>
+                <a:latin typeface="Consolas" panose="020B0609020204030204" pitchFamily="49" charset="0"/>
+              </a:rPr>
+              <a:t>"char(a): "</a:t>
+            </a:r>
+            <a:r>
+              <a:rPr lang="en-US" altLang="zh-TW" b="0" dirty="0">
+                <a:solidFill>
+                  <a:srgbClr val="000000"/>
+                </a:solidFill>
+                <a:effectLst/>
+                <a:latin typeface="Consolas" panose="020B0609020204030204" pitchFamily="49" charset="0"/>
+              </a:rPr>
+              <a:t> </a:t>
+            </a:r>
+            <a:r>
+              <a:rPr lang="en-US" altLang="zh-TW" b="0" dirty="0">
+                <a:solidFill>
+                  <a:srgbClr val="795E26"/>
+                </a:solidFill>
+                <a:effectLst/>
+                <a:latin typeface="Consolas" panose="020B0609020204030204" pitchFamily="49" charset="0"/>
+              </a:rPr>
+              <a:t>&lt;&lt;</a:t>
+            </a:r>
+            <a:r>
+              <a:rPr lang="en-US" altLang="zh-TW" b="0" dirty="0">
+                <a:solidFill>
+                  <a:srgbClr val="000000"/>
+                </a:solidFill>
+                <a:effectLst/>
+                <a:latin typeface="Consolas" panose="020B0609020204030204" pitchFamily="49" charset="0"/>
+              </a:rPr>
+              <a:t> </a:t>
+            </a:r>
+            <a:r>
+              <a:rPr lang="en-US" altLang="zh-TW" b="0" dirty="0">
+                <a:solidFill>
+                  <a:srgbClr val="001080"/>
+                </a:solidFill>
+                <a:effectLst/>
+                <a:latin typeface="Consolas" panose="020B0609020204030204" pitchFamily="49" charset="0"/>
+              </a:rPr>
+              <a:t>a</a:t>
+            </a:r>
+            <a:r>
+              <a:rPr lang="en-US" altLang="zh-TW" b="0" dirty="0">
+                <a:solidFill>
+                  <a:srgbClr val="000000"/>
+                </a:solidFill>
+                <a:effectLst/>
+                <a:latin typeface="Consolas" panose="020B0609020204030204" pitchFamily="49" charset="0"/>
+              </a:rPr>
+              <a:t> </a:t>
+            </a:r>
+            <a:r>
+              <a:rPr lang="en-US" altLang="zh-TW" b="0" dirty="0">
+                <a:solidFill>
+                  <a:srgbClr val="795E26"/>
+                </a:solidFill>
+                <a:effectLst/>
+                <a:latin typeface="Consolas" panose="020B0609020204030204" pitchFamily="49" charset="0"/>
+              </a:rPr>
+              <a:t>&lt;&lt;</a:t>
+            </a:r>
+            <a:r>
+              <a:rPr lang="en-US" altLang="zh-TW" b="0" dirty="0">
+                <a:solidFill>
+                  <a:srgbClr val="000000"/>
+                </a:solidFill>
+                <a:effectLst/>
+                <a:latin typeface="Consolas" panose="020B0609020204030204" pitchFamily="49" charset="0"/>
+              </a:rPr>
+              <a:t> </a:t>
+            </a:r>
+            <a:r>
+              <a:rPr lang="en-US" altLang="zh-TW" b="0" dirty="0">
+                <a:solidFill>
+                  <a:srgbClr val="267F99"/>
+                </a:solidFill>
+                <a:effectLst/>
+                <a:latin typeface="Consolas" panose="020B0609020204030204" pitchFamily="49" charset="0"/>
+              </a:rPr>
+              <a:t>std</a:t>
+            </a:r>
+            <a:r>
+              <a:rPr lang="en-US" altLang="zh-TW" b="0" dirty="0">
+                <a:solidFill>
+                  <a:srgbClr val="000000"/>
+                </a:solidFill>
+                <a:effectLst/>
+                <a:latin typeface="Consolas" panose="020B0609020204030204" pitchFamily="49" charset="0"/>
+              </a:rPr>
+              <a:t>::</a:t>
+            </a:r>
+            <a:r>
+              <a:rPr lang="en-US" altLang="zh-TW" b="0" dirty="0" err="1">
+                <a:solidFill>
+                  <a:srgbClr val="795E26"/>
+                </a:solidFill>
+                <a:effectLst/>
+                <a:latin typeface="Consolas" panose="020B0609020204030204" pitchFamily="49" charset="0"/>
+              </a:rPr>
+              <a:t>endl</a:t>
+            </a:r>
+            <a:r>
+              <a:rPr lang="en-US" altLang="zh-TW" b="0" dirty="0">
+                <a:solidFill>
+                  <a:srgbClr val="000000"/>
+                </a:solidFill>
+                <a:effectLst/>
+                <a:latin typeface="Consolas" panose="020B0609020204030204" pitchFamily="49" charset="0"/>
+              </a:rPr>
+              <a:t>;</a:t>
+            </a:r>
+          </a:p>
+          <a:p>
+            <a:r>
+              <a:rPr lang="en-US" altLang="zh-TW" b="0" dirty="0">
+                <a:solidFill>
+                  <a:srgbClr val="000000"/>
+                </a:solidFill>
+                <a:effectLst/>
+                <a:latin typeface="Consolas" panose="020B0609020204030204" pitchFamily="49" charset="0"/>
+              </a:rPr>
+              <a:t>    </a:t>
+            </a:r>
+            <a:r>
+              <a:rPr lang="en-US" altLang="zh-TW" b="0" dirty="0">
+                <a:solidFill>
+                  <a:srgbClr val="267F99"/>
+                </a:solidFill>
+                <a:effectLst/>
+                <a:latin typeface="Consolas" panose="020B0609020204030204" pitchFamily="49" charset="0"/>
+              </a:rPr>
+              <a:t>std</a:t>
+            </a:r>
+            <a:r>
+              <a:rPr lang="en-US" altLang="zh-TW" b="0" dirty="0">
+                <a:solidFill>
+                  <a:srgbClr val="000000"/>
+                </a:solidFill>
+                <a:effectLst/>
+                <a:latin typeface="Consolas" panose="020B0609020204030204" pitchFamily="49" charset="0"/>
+              </a:rPr>
+              <a:t>::</a:t>
+            </a:r>
+            <a:r>
+              <a:rPr lang="en-US" altLang="zh-TW" b="0" dirty="0" err="1">
+                <a:solidFill>
+                  <a:srgbClr val="001080"/>
+                </a:solidFill>
+                <a:effectLst/>
+                <a:latin typeface="Consolas" panose="020B0609020204030204" pitchFamily="49" charset="0"/>
+              </a:rPr>
+              <a:t>cout</a:t>
+            </a:r>
+            <a:r>
+              <a:rPr lang="en-US" altLang="zh-TW" b="0" dirty="0">
+                <a:solidFill>
+                  <a:srgbClr val="000000"/>
+                </a:solidFill>
+                <a:effectLst/>
+                <a:latin typeface="Consolas" panose="020B0609020204030204" pitchFamily="49" charset="0"/>
+              </a:rPr>
+              <a:t> </a:t>
+            </a:r>
+            <a:r>
+              <a:rPr lang="en-US" altLang="zh-TW" b="0" dirty="0">
+                <a:solidFill>
+                  <a:srgbClr val="795E26"/>
+                </a:solidFill>
+                <a:effectLst/>
+                <a:latin typeface="Consolas" panose="020B0609020204030204" pitchFamily="49" charset="0"/>
+              </a:rPr>
+              <a:t>&lt;&lt;</a:t>
+            </a:r>
+            <a:r>
+              <a:rPr lang="en-US" altLang="zh-TW" b="0" dirty="0">
+                <a:solidFill>
+                  <a:srgbClr val="000000"/>
+                </a:solidFill>
+                <a:effectLst/>
+                <a:latin typeface="Consolas" panose="020B0609020204030204" pitchFamily="49" charset="0"/>
+              </a:rPr>
+              <a:t> </a:t>
+            </a:r>
+            <a:r>
+              <a:rPr lang="en-US" altLang="zh-TW" b="0" dirty="0">
+                <a:solidFill>
+                  <a:srgbClr val="A31515"/>
+                </a:solidFill>
+                <a:effectLst/>
+                <a:latin typeface="Consolas" panose="020B0609020204030204" pitchFamily="49" charset="0"/>
+              </a:rPr>
+              <a:t>"int(a):  "</a:t>
+            </a:r>
+            <a:r>
+              <a:rPr lang="en-US" altLang="zh-TW" b="0" dirty="0">
+                <a:solidFill>
+                  <a:srgbClr val="000000"/>
+                </a:solidFill>
+                <a:effectLst/>
+                <a:latin typeface="Consolas" panose="020B0609020204030204" pitchFamily="49" charset="0"/>
+              </a:rPr>
+              <a:t> </a:t>
+            </a:r>
+            <a:r>
+              <a:rPr lang="en-US" altLang="zh-TW" b="0" dirty="0">
+                <a:solidFill>
+                  <a:srgbClr val="795E26"/>
+                </a:solidFill>
+                <a:effectLst/>
+                <a:latin typeface="Consolas" panose="020B0609020204030204" pitchFamily="49" charset="0"/>
+              </a:rPr>
+              <a:t>&lt;&lt;</a:t>
+            </a:r>
+            <a:r>
+              <a:rPr lang="en-US" altLang="zh-TW" b="0" dirty="0">
+                <a:solidFill>
+                  <a:srgbClr val="000000"/>
+                </a:solidFill>
+                <a:effectLst/>
+                <a:latin typeface="Consolas" panose="020B0609020204030204" pitchFamily="49" charset="0"/>
+              </a:rPr>
+              <a:t> </a:t>
+            </a:r>
+            <a:r>
+              <a:rPr lang="en-US" altLang="zh-TW" b="0" dirty="0">
+                <a:solidFill>
+                  <a:srgbClr val="0000FF"/>
+                </a:solidFill>
+                <a:effectLst/>
+                <a:latin typeface="Consolas" panose="020B0609020204030204" pitchFamily="49" charset="0"/>
+              </a:rPr>
+              <a:t>int</a:t>
+            </a:r>
+            <a:r>
+              <a:rPr lang="en-US" altLang="zh-TW" b="0" dirty="0">
+                <a:solidFill>
+                  <a:srgbClr val="000000"/>
+                </a:solidFill>
+                <a:effectLst/>
+                <a:latin typeface="Consolas" panose="020B0609020204030204" pitchFamily="49" charset="0"/>
+              </a:rPr>
+              <a:t>(</a:t>
+            </a:r>
+            <a:r>
+              <a:rPr lang="en-US" altLang="zh-TW" b="0" dirty="0">
+                <a:solidFill>
+                  <a:srgbClr val="001080"/>
+                </a:solidFill>
+                <a:effectLst/>
+                <a:latin typeface="Consolas" panose="020B0609020204030204" pitchFamily="49" charset="0"/>
+              </a:rPr>
+              <a:t>a</a:t>
+            </a:r>
+            <a:r>
+              <a:rPr lang="en-US" altLang="zh-TW" b="0" dirty="0">
+                <a:solidFill>
+                  <a:srgbClr val="000000"/>
+                </a:solidFill>
+                <a:effectLst/>
+                <a:latin typeface="Consolas" panose="020B0609020204030204" pitchFamily="49" charset="0"/>
+              </a:rPr>
+              <a:t>) </a:t>
+            </a:r>
+            <a:r>
+              <a:rPr lang="en-US" altLang="zh-TW" b="0" dirty="0">
+                <a:solidFill>
+                  <a:srgbClr val="795E26"/>
+                </a:solidFill>
+                <a:effectLst/>
+                <a:latin typeface="Consolas" panose="020B0609020204030204" pitchFamily="49" charset="0"/>
+              </a:rPr>
+              <a:t>&lt;&lt;</a:t>
+            </a:r>
+            <a:r>
+              <a:rPr lang="en-US" altLang="zh-TW" b="0" dirty="0">
+                <a:solidFill>
+                  <a:srgbClr val="000000"/>
+                </a:solidFill>
+                <a:effectLst/>
+                <a:latin typeface="Consolas" panose="020B0609020204030204" pitchFamily="49" charset="0"/>
+              </a:rPr>
+              <a:t> </a:t>
+            </a:r>
+            <a:r>
+              <a:rPr lang="en-US" altLang="zh-TW" b="0" dirty="0">
+                <a:solidFill>
+                  <a:srgbClr val="267F99"/>
+                </a:solidFill>
+                <a:effectLst/>
+                <a:latin typeface="Consolas" panose="020B0609020204030204" pitchFamily="49" charset="0"/>
+              </a:rPr>
+              <a:t>std</a:t>
+            </a:r>
+            <a:r>
+              <a:rPr lang="en-US" altLang="zh-TW" b="0" dirty="0">
+                <a:solidFill>
+                  <a:srgbClr val="000000"/>
+                </a:solidFill>
+                <a:effectLst/>
+                <a:latin typeface="Consolas" panose="020B0609020204030204" pitchFamily="49" charset="0"/>
+              </a:rPr>
+              <a:t>::</a:t>
+            </a:r>
+            <a:r>
+              <a:rPr lang="en-US" altLang="zh-TW" b="0" dirty="0" err="1">
+                <a:solidFill>
+                  <a:srgbClr val="795E26"/>
+                </a:solidFill>
+                <a:effectLst/>
+                <a:latin typeface="Consolas" panose="020B0609020204030204" pitchFamily="49" charset="0"/>
+              </a:rPr>
+              <a:t>endl</a:t>
+            </a:r>
+            <a:r>
+              <a:rPr lang="en-US" altLang="zh-TW" b="0" dirty="0">
+                <a:solidFill>
+                  <a:srgbClr val="000000"/>
+                </a:solidFill>
+                <a:effectLst/>
+                <a:latin typeface="Consolas" panose="020B0609020204030204" pitchFamily="49" charset="0"/>
+              </a:rPr>
+              <a:t>;</a:t>
+            </a:r>
+          </a:p>
+          <a:p>
+            <a:r>
+              <a:rPr lang="en-US" altLang="zh-TW" b="0" dirty="0">
+                <a:solidFill>
+                  <a:srgbClr val="000000"/>
+                </a:solidFill>
+                <a:effectLst/>
+                <a:latin typeface="Consolas" panose="020B0609020204030204" pitchFamily="49" charset="0"/>
+              </a:rPr>
+              <a:t>    </a:t>
+            </a:r>
+            <a:r>
+              <a:rPr lang="en-US" altLang="zh-TW" b="0" dirty="0">
+                <a:solidFill>
+                  <a:srgbClr val="267F99"/>
+                </a:solidFill>
+                <a:effectLst/>
+                <a:latin typeface="Consolas" panose="020B0609020204030204" pitchFamily="49" charset="0"/>
+              </a:rPr>
+              <a:t>std</a:t>
+            </a:r>
+            <a:r>
+              <a:rPr lang="en-US" altLang="zh-TW" b="0" dirty="0">
+                <a:solidFill>
+                  <a:srgbClr val="000000"/>
+                </a:solidFill>
+                <a:effectLst/>
+                <a:latin typeface="Consolas" panose="020B0609020204030204" pitchFamily="49" charset="0"/>
+              </a:rPr>
+              <a:t>::</a:t>
+            </a:r>
+            <a:r>
+              <a:rPr lang="en-US" altLang="zh-TW" b="0" dirty="0" err="1">
+                <a:solidFill>
+                  <a:srgbClr val="001080"/>
+                </a:solidFill>
+                <a:effectLst/>
+                <a:latin typeface="Consolas" panose="020B0609020204030204" pitchFamily="49" charset="0"/>
+              </a:rPr>
+              <a:t>cout</a:t>
+            </a:r>
+            <a:r>
+              <a:rPr lang="en-US" altLang="zh-TW" b="0" dirty="0">
+                <a:solidFill>
+                  <a:srgbClr val="000000"/>
+                </a:solidFill>
+                <a:effectLst/>
+                <a:latin typeface="Consolas" panose="020B0609020204030204" pitchFamily="49" charset="0"/>
+              </a:rPr>
+              <a:t> </a:t>
+            </a:r>
+            <a:r>
+              <a:rPr lang="en-US" altLang="zh-TW" b="0" dirty="0">
+                <a:solidFill>
+                  <a:srgbClr val="795E26"/>
+                </a:solidFill>
+                <a:effectLst/>
+                <a:latin typeface="Consolas" panose="020B0609020204030204" pitchFamily="49" charset="0"/>
+              </a:rPr>
+              <a:t>&lt;&lt;</a:t>
+            </a:r>
+            <a:r>
+              <a:rPr lang="en-US" altLang="zh-TW" b="0" dirty="0">
+                <a:solidFill>
+                  <a:srgbClr val="000000"/>
+                </a:solidFill>
+                <a:effectLst/>
+                <a:latin typeface="Consolas" panose="020B0609020204030204" pitchFamily="49" charset="0"/>
+              </a:rPr>
+              <a:t> </a:t>
+            </a:r>
+            <a:r>
+              <a:rPr lang="en-US" altLang="zh-TW" b="0" dirty="0">
+                <a:solidFill>
+                  <a:srgbClr val="267F99"/>
+                </a:solidFill>
+                <a:effectLst/>
+                <a:latin typeface="Consolas" panose="020B0609020204030204" pitchFamily="49" charset="0"/>
+              </a:rPr>
+              <a:t>std</a:t>
+            </a:r>
+            <a:r>
+              <a:rPr lang="en-US" altLang="zh-TW" b="0" dirty="0">
+                <a:solidFill>
+                  <a:srgbClr val="000000"/>
+                </a:solidFill>
+                <a:effectLst/>
+                <a:latin typeface="Consolas" panose="020B0609020204030204" pitchFamily="49" charset="0"/>
+              </a:rPr>
+              <a:t>::</a:t>
+            </a:r>
+            <a:r>
+              <a:rPr lang="en-US" altLang="zh-TW" b="0" dirty="0" err="1">
+                <a:solidFill>
+                  <a:srgbClr val="001080"/>
+                </a:solidFill>
+                <a:effectLst/>
+                <a:latin typeface="Consolas" panose="020B0609020204030204" pitchFamily="49" charset="0"/>
+              </a:rPr>
+              <a:t>cin</a:t>
+            </a:r>
+            <a:r>
+              <a:rPr lang="en-US" altLang="zh-TW" b="0" dirty="0" err="1">
+                <a:solidFill>
+                  <a:srgbClr val="000000"/>
+                </a:solidFill>
+                <a:effectLst/>
+                <a:latin typeface="Consolas" panose="020B0609020204030204" pitchFamily="49" charset="0"/>
+              </a:rPr>
+              <a:t>.</a:t>
+            </a:r>
+            <a:r>
+              <a:rPr lang="en-US" altLang="zh-TW" b="0" dirty="0" err="1">
+                <a:solidFill>
+                  <a:srgbClr val="795E26"/>
+                </a:solidFill>
+                <a:effectLst/>
+                <a:latin typeface="Consolas" panose="020B0609020204030204" pitchFamily="49" charset="0"/>
+              </a:rPr>
+              <a:t>fail</a:t>
+            </a:r>
+            <a:r>
+              <a:rPr lang="en-US" altLang="zh-TW" b="0" dirty="0">
+                <a:solidFill>
+                  <a:srgbClr val="000000"/>
+                </a:solidFill>
+                <a:effectLst/>
+                <a:latin typeface="Consolas" panose="020B0609020204030204" pitchFamily="49" charset="0"/>
+              </a:rPr>
+              <a:t>() </a:t>
+            </a:r>
+            <a:r>
+              <a:rPr lang="en-US" altLang="zh-TW" b="0" dirty="0">
+                <a:solidFill>
+                  <a:srgbClr val="795E26"/>
+                </a:solidFill>
+                <a:effectLst/>
+                <a:latin typeface="Consolas" panose="020B0609020204030204" pitchFamily="49" charset="0"/>
+              </a:rPr>
+              <a:t>&lt;&lt;</a:t>
+            </a:r>
+            <a:r>
+              <a:rPr lang="en-US" altLang="zh-TW" b="0" dirty="0">
+                <a:solidFill>
+                  <a:srgbClr val="000000"/>
+                </a:solidFill>
+                <a:effectLst/>
+                <a:latin typeface="Consolas" panose="020B0609020204030204" pitchFamily="49" charset="0"/>
+              </a:rPr>
+              <a:t> </a:t>
+            </a:r>
+            <a:r>
+              <a:rPr lang="en-US" altLang="zh-TW" b="0" dirty="0">
+                <a:solidFill>
+                  <a:srgbClr val="267F99"/>
+                </a:solidFill>
+                <a:effectLst/>
+                <a:latin typeface="Consolas" panose="020B0609020204030204" pitchFamily="49" charset="0"/>
+              </a:rPr>
+              <a:t>std</a:t>
+            </a:r>
+            <a:r>
+              <a:rPr lang="en-US" altLang="zh-TW" b="0" dirty="0">
+                <a:solidFill>
+                  <a:srgbClr val="000000"/>
+                </a:solidFill>
+                <a:effectLst/>
+                <a:latin typeface="Consolas" panose="020B0609020204030204" pitchFamily="49" charset="0"/>
+              </a:rPr>
+              <a:t>::</a:t>
+            </a:r>
+            <a:r>
+              <a:rPr lang="en-US" altLang="zh-TW" b="0" dirty="0" err="1">
+                <a:solidFill>
+                  <a:srgbClr val="795E26"/>
+                </a:solidFill>
+                <a:effectLst/>
+                <a:latin typeface="Consolas" panose="020B0609020204030204" pitchFamily="49" charset="0"/>
+              </a:rPr>
+              <a:t>endl</a:t>
+            </a:r>
+            <a:r>
+              <a:rPr lang="en-US" altLang="zh-TW" b="0" dirty="0">
+                <a:solidFill>
+                  <a:srgbClr val="000000"/>
+                </a:solidFill>
+                <a:effectLst/>
+                <a:latin typeface="Consolas" panose="020B0609020204030204" pitchFamily="49" charset="0"/>
+              </a:rPr>
+              <a:t>;</a:t>
+            </a:r>
+          </a:p>
+        </p:txBody>
+      </p:sp>
+      <p:pic>
+        <p:nvPicPr>
+          <p:cNvPr id="7" name="圖片 6">
+            <a:extLst>
+              <a:ext uri="{FF2B5EF4-FFF2-40B4-BE49-F238E27FC236}">
+                <a16:creationId xmlns:a16="http://schemas.microsoft.com/office/drawing/2014/main" id="{3CC1509A-A84A-4F6C-BABE-ED4D6CE5EB1B}"/>
+              </a:ext>
+            </a:extLst>
+          </p:cNvPr>
+          <p:cNvPicPr>
+            <a:picLocks noChangeAspect="1"/>
+          </p:cNvPicPr>
+          <p:nvPr/>
+        </p:nvPicPr>
+        <p:blipFill>
+          <a:blip r:embed="rId2"/>
+          <a:stretch>
+            <a:fillRect/>
+          </a:stretch>
+        </p:blipFill>
+        <p:spPr>
+          <a:xfrm>
+            <a:off x="8725569" y="3429000"/>
+            <a:ext cx="3011328" cy="3146529"/>
+          </a:xfrm>
+          <a:prstGeom prst="rect">
+            <a:avLst/>
+          </a:prstGeom>
+          <a:ln w="38100">
+            <a:solidFill>
+              <a:srgbClr val="FF0000"/>
+            </a:solidFill>
+          </a:ln>
+        </p:spPr>
+      </p:pic>
+    </p:spTree>
+    <p:extLst>
+      <p:ext uri="{BB962C8B-B14F-4D97-AF65-F5344CB8AC3E}">
+        <p14:creationId xmlns:p14="http://schemas.microsoft.com/office/powerpoint/2010/main" val="4022150560"/>
+      </p:ext>
+    </p:extLst>
+  </p:cSld>
+  <p:clrMapOvr>
+    <a:masterClrMapping/>
+  </p:clrMapOvr>
+</p:sld>
+</file>
+
+<file path=ppt/slides/slide25.xml><?xml version="1.0" encoding="utf-8"?>
 <p:sld xmlns:a="http://schemas.openxmlformats.org/drawingml/2006/main" xmlns:r="http://schemas.openxmlformats.org/officeDocument/2006/relationships" xmlns:p="http://schemas.openxmlformats.org/presentationml/2006/main">
   <p:cSld>
     <p:spTree>
